--- a/src/main/java/Polymorphism/Polymorphism.pptx
+++ b/src/main/java/Polymorphism/Polymorphism.pptx
@@ -108,6 +108,11 @@
       </a:defRPr>
     </a:lvl9pPr>
   </p:defaultTextStyle>
+  <p:extLst>
+    <p:ext uri="{EFAFB233-063F-42B5-8137-9DF3F51BA10A}">
+      <p15:sldGuideLst xmlns:p15="http://schemas.microsoft.com/office/powerpoint/2012/main"/>
+    </p:ext>
+  </p:extLst>
 </p:presentation>
 </file>
 
@@ -460,7 +465,7 @@
           <a:p>
             <a:fld id="{72F15B9E-C88B-45EE-8529-9C74E33337CF}" type="datetimeFigureOut">
               <a:rPr lang="en-IN" smtClean="0"/>
-              <a:t>20-05-2024</a:t>
+              <a:t>22-05-2024</a:t>
             </a:fld>
             <a:endParaRPr lang="en-IN"/>
           </a:p>
@@ -660,7 +665,7 @@
           <a:p>
             <a:fld id="{72F15B9E-C88B-45EE-8529-9C74E33337CF}" type="datetimeFigureOut">
               <a:rPr lang="en-IN" smtClean="0"/>
-              <a:t>20-05-2024</a:t>
+              <a:t>22-05-2024</a:t>
             </a:fld>
             <a:endParaRPr lang="en-IN"/>
           </a:p>
@@ -870,7 +875,7 @@
           <a:p>
             <a:fld id="{72F15B9E-C88B-45EE-8529-9C74E33337CF}" type="datetimeFigureOut">
               <a:rPr lang="en-IN" smtClean="0"/>
-              <a:t>20-05-2024</a:t>
+              <a:t>22-05-2024</a:t>
             </a:fld>
             <a:endParaRPr lang="en-IN"/>
           </a:p>
@@ -1070,7 +1075,7 @@
           <a:p>
             <a:fld id="{72F15B9E-C88B-45EE-8529-9C74E33337CF}" type="datetimeFigureOut">
               <a:rPr lang="en-IN" smtClean="0"/>
-              <a:t>20-05-2024</a:t>
+              <a:t>22-05-2024</a:t>
             </a:fld>
             <a:endParaRPr lang="en-IN"/>
           </a:p>
@@ -1346,7 +1351,7 @@
           <a:p>
             <a:fld id="{72F15B9E-C88B-45EE-8529-9C74E33337CF}" type="datetimeFigureOut">
               <a:rPr lang="en-IN" smtClean="0"/>
-              <a:t>20-05-2024</a:t>
+              <a:t>22-05-2024</a:t>
             </a:fld>
             <a:endParaRPr lang="en-IN"/>
           </a:p>
@@ -1614,7 +1619,7 @@
           <a:p>
             <a:fld id="{72F15B9E-C88B-45EE-8529-9C74E33337CF}" type="datetimeFigureOut">
               <a:rPr lang="en-IN" smtClean="0"/>
-              <a:t>20-05-2024</a:t>
+              <a:t>22-05-2024</a:t>
             </a:fld>
             <a:endParaRPr lang="en-IN"/>
           </a:p>
@@ -2029,7 +2034,7 @@
           <a:p>
             <a:fld id="{72F15B9E-C88B-45EE-8529-9C74E33337CF}" type="datetimeFigureOut">
               <a:rPr lang="en-IN" smtClean="0"/>
-              <a:t>20-05-2024</a:t>
+              <a:t>22-05-2024</a:t>
             </a:fld>
             <a:endParaRPr lang="en-IN"/>
           </a:p>
@@ -2171,7 +2176,7 @@
           <a:p>
             <a:fld id="{72F15B9E-C88B-45EE-8529-9C74E33337CF}" type="datetimeFigureOut">
               <a:rPr lang="en-IN" smtClean="0"/>
-              <a:t>20-05-2024</a:t>
+              <a:t>22-05-2024</a:t>
             </a:fld>
             <a:endParaRPr lang="en-IN"/>
           </a:p>
@@ -2284,7 +2289,7 @@
           <a:p>
             <a:fld id="{72F15B9E-C88B-45EE-8529-9C74E33337CF}" type="datetimeFigureOut">
               <a:rPr lang="en-IN" smtClean="0"/>
-              <a:t>20-05-2024</a:t>
+              <a:t>22-05-2024</a:t>
             </a:fld>
             <a:endParaRPr lang="en-IN"/>
           </a:p>
@@ -2597,7 +2602,7 @@
           <a:p>
             <a:fld id="{72F15B9E-C88B-45EE-8529-9C74E33337CF}" type="datetimeFigureOut">
               <a:rPr lang="en-IN" smtClean="0"/>
-              <a:t>20-05-2024</a:t>
+              <a:t>22-05-2024</a:t>
             </a:fld>
             <a:endParaRPr lang="en-IN"/>
           </a:p>
@@ -2886,7 +2891,7 @@
           <a:p>
             <a:fld id="{72F15B9E-C88B-45EE-8529-9C74E33337CF}" type="datetimeFigureOut">
               <a:rPr lang="en-IN" smtClean="0"/>
-              <a:t>20-05-2024</a:t>
+              <a:t>22-05-2024</a:t>
             </a:fld>
             <a:endParaRPr lang="en-IN"/>
           </a:p>
@@ -3129,7 +3134,7 @@
           <a:p>
             <a:fld id="{72F15B9E-C88B-45EE-8529-9C74E33337CF}" type="datetimeFigureOut">
               <a:rPr lang="en-IN" smtClean="0"/>
-              <a:t>20-05-2024</a:t>
+              <a:t>22-05-2024</a:t>
             </a:fld>
             <a:endParaRPr lang="en-IN"/>
           </a:p>
@@ -3737,7 +3742,7 @@
           <a:p>
             <a:r>
               <a:rPr lang="en-IN" dirty="0"/>
-              <a:t>At the time of compilation, Java knows which method to call.</a:t>
+              <a:t>At the time of compilation, JVM knows which method to call.</a:t>
             </a:r>
           </a:p>
           <a:p>
@@ -3773,7 +3778,7 @@
             </a:pPr>
             <a:r>
               <a:rPr lang="en-IN" dirty="0"/>
-              <a:t>	2. By changing the datatype</a:t>
+              <a:t>	2. By changing the argument datatype</a:t>
             </a:r>
           </a:p>
         </p:txBody>
@@ -6145,6 +6150,9 @@
             </a:r>
           </a:p>
           <a:p>
+            <a:endParaRPr lang="en-IN" dirty="0"/>
+          </a:p>
+          <a:p>
             <a:r>
               <a:rPr lang="en-IN" dirty="0"/>
               <a:t>Method name should be same</a:t>
@@ -6202,10 +6210,10 @@
       </p:grpSpPr>
       <p:sp>
         <p:nvSpPr>
-          <p:cNvPr id="6" name="Rectangle 1">
+          <p:cNvPr id="5" name="Rectangle 2">
             <a:extLst>
               <a:ext uri="{FF2B5EF4-FFF2-40B4-BE49-F238E27FC236}">
-                <a16:creationId xmlns:a16="http://schemas.microsoft.com/office/drawing/2014/main" id="{8463D49F-1212-F26A-5D5B-BD9F15740147}"/>
+                <a16:creationId xmlns:a16="http://schemas.microsoft.com/office/drawing/2014/main" id="{67EF489B-A62B-BF97-7552-9B5E567BFC77}"/>
               </a:ext>
             </a:extLst>
           </p:cNvPr>
@@ -6218,8 +6226,8 @@
         </p:nvSpPr>
         <p:spPr bwMode="auto">
           <a:xfrm>
-            <a:off x="1284513" y="1166842"/>
-            <a:ext cx="9862458" cy="4524315"/>
+            <a:off x="642257" y="715959"/>
+            <a:ext cx="10559143" cy="5816977"/>
           </a:xfrm>
           <a:prstGeom prst="rect">
             <a:avLst/>
@@ -6279,7 +6287,7 @@
               <a:tabLst/>
             </a:pPr>
             <a:r>
-              <a:rPr kumimoji="0" lang="en-US" altLang="en-US" sz="1600" b="0" i="0" u="none" strike="noStrike" cap="none" normalizeH="0" baseline="0" dirty="0">
+              <a:rPr kumimoji="0" lang="en-US" altLang="en-US" sz="1200" b="0" i="0" u="none" strike="noStrike" cap="none" normalizeH="0" baseline="0" dirty="0">
                 <a:ln>
                   <a:noFill/>
                 </a:ln>
@@ -6292,7 +6300,7 @@
               <a:t>package </a:t>
             </a:r>
             <a:r>
-              <a:rPr kumimoji="0" lang="en-US" altLang="en-US" sz="1600" b="0" i="0" u="none" strike="noStrike" cap="none" normalizeH="0" baseline="0" dirty="0">
+              <a:rPr kumimoji="0" lang="en-US" altLang="en-US" sz="1200" b="0" i="0" u="none" strike="noStrike" cap="none" normalizeH="0" baseline="0" dirty="0">
                 <a:ln>
                   <a:noFill/>
                 </a:ln>
@@ -6305,7 +6313,7 @@
               <a:t>Polymorphism</a:t>
             </a:r>
             <a:r>
-              <a:rPr kumimoji="0" lang="en-US" altLang="en-US" sz="1600" b="1" i="0" u="none" strike="noStrike" cap="none" normalizeH="0" baseline="0" dirty="0">
+              <a:rPr kumimoji="0" lang="en-US" altLang="en-US" sz="1200" b="1" i="0" u="none" strike="noStrike" cap="none" normalizeH="0" baseline="0" dirty="0">
                 <a:ln>
                   <a:noFill/>
                 </a:ln>
@@ -6318,7 +6326,7 @@
               <a:t>;</a:t>
             </a:r>
             <a:br>
-              <a:rPr kumimoji="0" lang="en-US" altLang="en-US" sz="1600" b="1" i="0" u="none" strike="noStrike" cap="none" normalizeH="0" baseline="0" dirty="0">
+              <a:rPr kumimoji="0" lang="en-US" altLang="en-US" sz="1200" b="1" i="0" u="none" strike="noStrike" cap="none" normalizeH="0" baseline="0" dirty="0">
                 <a:ln>
                   <a:noFill/>
                 </a:ln>
@@ -6330,7 +6338,7 @@
               </a:rPr>
             </a:br>
             <a:br>
-              <a:rPr kumimoji="0" lang="en-US" altLang="en-US" sz="1600" b="1" i="0" u="none" strike="noStrike" cap="none" normalizeH="0" baseline="0" dirty="0">
+              <a:rPr kumimoji="0" lang="en-US" altLang="en-US" sz="1200" b="1" i="0" u="none" strike="noStrike" cap="none" normalizeH="0" baseline="0" dirty="0">
                 <a:ln>
                   <a:noFill/>
                 </a:ln>
@@ -6342,7 +6350,7 @@
               </a:rPr>
             </a:br>
             <a:br>
-              <a:rPr kumimoji="0" lang="en-US" altLang="en-US" sz="1600" b="1" i="0" u="none" strike="noStrike" cap="none" normalizeH="0" baseline="0" dirty="0">
+              <a:rPr kumimoji="0" lang="en-US" altLang="en-US" sz="1200" b="1" i="0" u="none" strike="noStrike" cap="none" normalizeH="0" baseline="0" dirty="0">
                 <a:ln>
                   <a:noFill/>
                 </a:ln>
@@ -6354,7 +6362,7 @@
               </a:rPr>
             </a:br>
             <a:r>
-              <a:rPr kumimoji="0" lang="en-US" altLang="en-US" sz="1600" b="0" i="0" u="none" strike="noStrike" cap="none" normalizeH="0" baseline="0" dirty="0">
+              <a:rPr kumimoji="0" lang="en-US" altLang="en-US" sz="1200" b="0" i="0" u="none" strike="noStrike" cap="none" normalizeH="0" baseline="0" dirty="0">
                 <a:ln>
                   <a:noFill/>
                 </a:ln>
@@ -6367,7 +6375,7 @@
               <a:t>class </a:t>
             </a:r>
             <a:r>
-              <a:rPr kumimoji="0" lang="en-US" altLang="en-US" sz="1600" b="0" i="0" u="none" strike="noStrike" cap="none" normalizeH="0" baseline="0" dirty="0">
+              <a:rPr kumimoji="0" lang="en-US" altLang="en-US" sz="1200" b="0" i="0" u="none" strike="noStrike" cap="none" normalizeH="0" baseline="0" dirty="0">
                 <a:ln>
                   <a:noFill/>
                 </a:ln>
@@ -6380,7 +6388,7 @@
               <a:t>Parent </a:t>
             </a:r>
             <a:r>
-              <a:rPr kumimoji="0" lang="en-US" altLang="en-US" sz="1600" b="0" i="0" u="none" strike="noStrike" cap="none" normalizeH="0" baseline="0" dirty="0">
+              <a:rPr kumimoji="0" lang="en-US" altLang="en-US" sz="1200" b="0" i="0" u="none" strike="noStrike" cap="none" normalizeH="0" baseline="0" dirty="0">
                 <a:ln>
                   <a:noFill/>
                 </a:ln>
@@ -6393,7 +6401,7 @@
               <a:t>{</a:t>
             </a:r>
             <a:br>
-              <a:rPr kumimoji="0" lang="en-US" altLang="en-US" sz="1600" b="0" i="0" u="none" strike="noStrike" cap="none" normalizeH="0" baseline="0" dirty="0">
+              <a:rPr kumimoji="0" lang="en-US" altLang="en-US" sz="1200" b="0" i="0" u="none" strike="noStrike" cap="none" normalizeH="0" baseline="0" dirty="0">
                 <a:ln>
                   <a:noFill/>
                 </a:ln>
@@ -6405,7 +6413,7 @@
               </a:rPr>
             </a:br>
             <a:r>
-              <a:rPr kumimoji="0" lang="en-US" altLang="en-US" sz="1600" b="0" i="0" u="none" strike="noStrike" cap="none" normalizeH="0" baseline="0" dirty="0">
+              <a:rPr kumimoji="0" lang="en-US" altLang="en-US" sz="1200" b="0" i="0" u="none" strike="noStrike" cap="none" normalizeH="0" baseline="0" dirty="0">
                 <a:ln>
                   <a:noFill/>
                 </a:ln>
@@ -6418,7 +6426,7 @@
               <a:t>    </a:t>
             </a:r>
             <a:r>
-              <a:rPr kumimoji="0" lang="en-US" altLang="en-US" sz="1600" b="0" i="0" u="none" strike="noStrike" cap="none" normalizeH="0" baseline="0" dirty="0">
+              <a:rPr kumimoji="0" lang="en-US" altLang="en-US" sz="1200" b="0" i="0" u="none" strike="noStrike" cap="none" normalizeH="0" baseline="0" dirty="0">
                 <a:ln>
                   <a:noFill/>
                 </a:ln>
@@ -6431,7 +6439,7 @@
               <a:t>public void </a:t>
             </a:r>
             <a:r>
-              <a:rPr kumimoji="0" lang="en-US" altLang="en-US" sz="1600" b="0" i="0" u="none" strike="noStrike" cap="none" normalizeH="0" baseline="0" dirty="0" err="1">
+              <a:rPr kumimoji="0" lang="en-US" altLang="en-US" sz="1200" b="0" i="0" u="none" strike="noStrike" cap="none" normalizeH="0" baseline="0" dirty="0" err="1">
                 <a:ln>
                   <a:noFill/>
                 </a:ln>
@@ -6444,7 +6452,7 @@
               <a:t>methodOverRide</a:t>
             </a:r>
             <a:r>
-              <a:rPr kumimoji="0" lang="en-US" altLang="en-US" sz="1600" b="0" i="0" u="none" strike="noStrike" cap="none" normalizeH="0" baseline="0" dirty="0">
+              <a:rPr kumimoji="0" lang="en-US" altLang="en-US" sz="1200" b="0" i="0" u="none" strike="noStrike" cap="none" normalizeH="0" baseline="0" dirty="0">
                 <a:ln>
                   <a:noFill/>
                 </a:ln>
@@ -6457,7 +6465,7 @@
               <a:t>() {</a:t>
             </a:r>
             <a:br>
-              <a:rPr kumimoji="0" lang="en-US" altLang="en-US" sz="1600" b="0" i="0" u="none" strike="noStrike" cap="none" normalizeH="0" baseline="0" dirty="0">
+              <a:rPr kumimoji="0" lang="en-US" altLang="en-US" sz="1200" b="0" i="0" u="none" strike="noStrike" cap="none" normalizeH="0" baseline="0" dirty="0">
                 <a:ln>
                   <a:noFill/>
                 </a:ln>
@@ -6469,7 +6477,7 @@
               </a:rPr>
             </a:br>
             <a:r>
-              <a:rPr kumimoji="0" lang="en-US" altLang="en-US" sz="1600" b="0" i="0" u="none" strike="noStrike" cap="none" normalizeH="0" baseline="0" dirty="0">
+              <a:rPr kumimoji="0" lang="en-US" altLang="en-US" sz="1200" b="0" i="0" u="none" strike="noStrike" cap="none" normalizeH="0" baseline="0" dirty="0">
                 <a:ln>
                   <a:noFill/>
                 </a:ln>
@@ -6482,7 +6490,7 @@
               <a:t>        </a:t>
             </a:r>
             <a:r>
-              <a:rPr kumimoji="0" lang="en-US" altLang="en-US" sz="1600" b="0" i="0" u="none" strike="noStrike" cap="none" normalizeH="0" baseline="0" dirty="0" err="1">
+              <a:rPr kumimoji="0" lang="en-US" altLang="en-US" sz="1200" b="0" i="0" u="none" strike="noStrike" cap="none" normalizeH="0" baseline="0" dirty="0" err="1">
                 <a:ln>
                   <a:noFill/>
                 </a:ln>
@@ -6495,7 +6503,7 @@
               <a:t>System</a:t>
             </a:r>
             <a:r>
-              <a:rPr kumimoji="0" lang="en-US" altLang="en-US" sz="1600" b="0" i="0" u="none" strike="noStrike" cap="none" normalizeH="0" baseline="0" dirty="0" err="1">
+              <a:rPr kumimoji="0" lang="en-US" altLang="en-US" sz="1200" b="0" i="0" u="none" strike="noStrike" cap="none" normalizeH="0" baseline="0" dirty="0" err="1">
                 <a:ln>
                   <a:noFill/>
                 </a:ln>
@@ -6508,7 +6516,7 @@
               <a:t>.</a:t>
             </a:r>
             <a:r>
-              <a:rPr kumimoji="0" lang="en-US" altLang="en-US" sz="1600" b="0" i="1" u="none" strike="noStrike" cap="none" normalizeH="0" baseline="0" dirty="0" err="1">
+              <a:rPr kumimoji="0" lang="en-US" altLang="en-US" sz="1200" b="0" i="1" u="none" strike="noStrike" cap="none" normalizeH="0" baseline="0" dirty="0" err="1">
                 <a:ln>
                   <a:noFill/>
                 </a:ln>
@@ -6521,7 +6529,7 @@
               <a:t>out</a:t>
             </a:r>
             <a:r>
-              <a:rPr kumimoji="0" lang="en-US" altLang="en-US" sz="1600" b="0" i="0" u="none" strike="noStrike" cap="none" normalizeH="0" baseline="0" dirty="0" err="1">
+              <a:rPr kumimoji="0" lang="en-US" altLang="en-US" sz="1200" b="0" i="0" u="none" strike="noStrike" cap="none" normalizeH="0" baseline="0" dirty="0" err="1">
                 <a:ln>
                   <a:noFill/>
                 </a:ln>
@@ -6534,7 +6542,7 @@
               <a:t>.println</a:t>
             </a:r>
             <a:r>
-              <a:rPr kumimoji="0" lang="en-US" altLang="en-US" sz="1600" b="0" i="0" u="none" strike="noStrike" cap="none" normalizeH="0" baseline="0" dirty="0">
+              <a:rPr kumimoji="0" lang="en-US" altLang="en-US" sz="1200" b="0" i="0" u="none" strike="noStrike" cap="none" normalizeH="0" baseline="0" dirty="0">
                 <a:ln>
                   <a:noFill/>
                 </a:ln>
@@ -6547,7 +6555,7 @@
               <a:t>(</a:t>
             </a:r>
             <a:r>
-              <a:rPr kumimoji="0" lang="en-US" altLang="en-US" sz="1600" b="0" i="0" u="none" strike="noStrike" cap="none" normalizeH="0" baseline="0" dirty="0">
+              <a:rPr kumimoji="0" lang="en-US" altLang="en-US" sz="1200" b="0" i="0" u="none" strike="noStrike" cap="none" normalizeH="0" baseline="0" dirty="0">
                 <a:ln>
                   <a:noFill/>
                 </a:ln>
@@ -6560,7 +6568,7 @@
               <a:t>"Method from Parent class called"</a:t>
             </a:r>
             <a:r>
-              <a:rPr kumimoji="0" lang="en-US" altLang="en-US" sz="1600" b="0" i="0" u="none" strike="noStrike" cap="none" normalizeH="0" baseline="0" dirty="0">
+              <a:rPr kumimoji="0" lang="en-US" altLang="en-US" sz="1200" b="0" i="0" u="none" strike="noStrike" cap="none" normalizeH="0" baseline="0" dirty="0">
                 <a:ln>
                   <a:noFill/>
                 </a:ln>
@@ -6573,7 +6581,7 @@
               <a:t>)</a:t>
             </a:r>
             <a:r>
-              <a:rPr kumimoji="0" lang="en-US" altLang="en-US" sz="1600" b="1" i="0" u="none" strike="noStrike" cap="none" normalizeH="0" baseline="0" dirty="0">
+              <a:rPr kumimoji="0" lang="en-US" altLang="en-US" sz="1200" b="1" i="0" u="none" strike="noStrike" cap="none" normalizeH="0" baseline="0" dirty="0">
                 <a:ln>
                   <a:noFill/>
                 </a:ln>
@@ -6586,7 +6594,7 @@
               <a:t>;</a:t>
             </a:r>
             <a:br>
-              <a:rPr kumimoji="0" lang="en-US" altLang="en-US" sz="1600" b="1" i="0" u="none" strike="noStrike" cap="none" normalizeH="0" baseline="0" dirty="0">
+              <a:rPr kumimoji="0" lang="en-US" altLang="en-US" sz="1200" b="1" i="0" u="none" strike="noStrike" cap="none" normalizeH="0" baseline="0" dirty="0">
                 <a:ln>
                   <a:noFill/>
                 </a:ln>
@@ -6598,7 +6606,7 @@
               </a:rPr>
             </a:br>
             <a:r>
-              <a:rPr kumimoji="0" lang="en-US" altLang="en-US" sz="1600" b="1" i="0" u="none" strike="noStrike" cap="none" normalizeH="0" baseline="0" dirty="0">
+              <a:rPr kumimoji="0" lang="en-US" altLang="en-US" sz="1200" b="1" i="0" u="none" strike="noStrike" cap="none" normalizeH="0" baseline="0" dirty="0">
                 <a:ln>
                   <a:noFill/>
                 </a:ln>
@@ -6611,7 +6619,7 @@
               <a:t>    </a:t>
             </a:r>
             <a:r>
-              <a:rPr kumimoji="0" lang="en-US" altLang="en-US" sz="1600" b="0" i="0" u="none" strike="noStrike" cap="none" normalizeH="0" baseline="0" dirty="0">
+              <a:rPr kumimoji="0" lang="en-US" altLang="en-US" sz="1200" b="0" i="0" u="none" strike="noStrike" cap="none" normalizeH="0" baseline="0" dirty="0">
                 <a:ln>
                   <a:noFill/>
                 </a:ln>
@@ -6624,7 +6632,7 @@
               <a:t>}</a:t>
             </a:r>
             <a:br>
-              <a:rPr kumimoji="0" lang="en-US" altLang="en-US" sz="1600" b="0" i="0" u="none" strike="noStrike" cap="none" normalizeH="0" baseline="0" dirty="0">
+              <a:rPr kumimoji="0" lang="en-US" altLang="en-US" sz="1200" b="0" i="0" u="none" strike="noStrike" cap="none" normalizeH="0" baseline="0" dirty="0">
                 <a:ln>
                   <a:noFill/>
                 </a:ln>
@@ -6636,7 +6644,7 @@
               </a:rPr>
             </a:br>
             <a:r>
-              <a:rPr kumimoji="0" lang="en-US" altLang="en-US" sz="1600" b="0" i="0" u="none" strike="noStrike" cap="none" normalizeH="0" baseline="0" dirty="0">
+              <a:rPr kumimoji="0" lang="en-US" altLang="en-US" sz="1200" b="0" i="0" u="none" strike="noStrike" cap="none" normalizeH="0" baseline="0" dirty="0">
                 <a:ln>
                   <a:noFill/>
                 </a:ln>
@@ -6649,610 +6657,7 @@
               <a:t>}</a:t>
             </a:r>
             <a:br>
-              <a:rPr kumimoji="0" lang="en-US" altLang="en-US" sz="1600" b="0" i="0" u="none" strike="noStrike" cap="none" normalizeH="0" baseline="0" dirty="0">
-                <a:ln>
-                  <a:noFill/>
-                </a:ln>
-                <a:solidFill>
-                  <a:srgbClr val="EBEBEB"/>
-                </a:solidFill>
-                <a:effectLst/>
-                <a:latin typeface="JetBrains Mono"/>
-              </a:rPr>
-            </a:br>
-            <a:r>
-              <a:rPr kumimoji="0" lang="en-US" altLang="en-US" sz="1600" b="0" i="0" u="none" strike="noStrike" cap="none" normalizeH="0" baseline="0" dirty="0">
-                <a:ln>
-                  <a:noFill/>
-                </a:ln>
-                <a:solidFill>
-                  <a:srgbClr val="ED864A"/>
-                </a:solidFill>
-                <a:effectLst/>
-                <a:latin typeface="JetBrains Mono"/>
-              </a:rPr>
-              <a:t>public class </a:t>
-            </a:r>
-            <a:r>
-              <a:rPr kumimoji="0" lang="en-US" altLang="en-US" sz="1600" b="0" i="0" u="none" strike="noStrike" cap="none" normalizeH="0" baseline="0" dirty="0" err="1">
-                <a:ln>
-                  <a:noFill/>
-                </a:ln>
-                <a:solidFill>
-                  <a:srgbClr val="FFFFFF"/>
-                </a:solidFill>
-                <a:effectLst/>
-                <a:latin typeface="JetBrains Mono"/>
-              </a:rPr>
-              <a:t>RunTimePolymorphism</a:t>
-            </a:r>
-            <a:r>
-              <a:rPr kumimoji="0" lang="en-US" altLang="en-US" sz="1600" b="0" i="0" u="none" strike="noStrike" cap="none" normalizeH="0" baseline="0" dirty="0">
-                <a:ln>
-                  <a:noFill/>
-                </a:ln>
-                <a:solidFill>
-                  <a:srgbClr val="FFFFFF"/>
-                </a:solidFill>
-                <a:effectLst/>
-                <a:latin typeface="JetBrains Mono"/>
-              </a:rPr>
-              <a:t> </a:t>
-            </a:r>
-            <a:r>
-              <a:rPr kumimoji="0" lang="en-US" altLang="en-US" sz="1600" b="0" i="0" u="none" strike="noStrike" cap="none" normalizeH="0" baseline="0" dirty="0">
-                <a:ln>
-                  <a:noFill/>
-                </a:ln>
-                <a:solidFill>
-                  <a:srgbClr val="ED864A"/>
-                </a:solidFill>
-                <a:effectLst/>
-                <a:latin typeface="JetBrains Mono"/>
-              </a:rPr>
-              <a:t>extends </a:t>
-            </a:r>
-            <a:r>
-              <a:rPr kumimoji="0" lang="en-US" altLang="en-US" sz="1600" b="0" i="0" u="none" strike="noStrike" cap="none" normalizeH="0" baseline="0" dirty="0">
-                <a:ln>
-                  <a:noFill/>
-                </a:ln>
-                <a:solidFill>
-                  <a:srgbClr val="FFFFFF"/>
-                </a:solidFill>
-                <a:effectLst/>
-                <a:latin typeface="JetBrains Mono"/>
-              </a:rPr>
-              <a:t>Parent</a:t>
-            </a:r>
-            <a:r>
-              <a:rPr kumimoji="0" lang="en-US" altLang="en-US" sz="1600" b="0" i="0" u="none" strike="noStrike" cap="none" normalizeH="0" baseline="0" dirty="0">
-                <a:ln>
-                  <a:noFill/>
-                </a:ln>
-                <a:solidFill>
-                  <a:srgbClr val="EBEBEB"/>
-                </a:solidFill>
-                <a:effectLst/>
-                <a:latin typeface="JetBrains Mono"/>
-              </a:rPr>
-              <a:t>{</a:t>
-            </a:r>
-            <a:br>
-              <a:rPr kumimoji="0" lang="en-US" altLang="en-US" sz="1600" b="0" i="0" u="none" strike="noStrike" cap="none" normalizeH="0" baseline="0" dirty="0">
-                <a:ln>
-                  <a:noFill/>
-                </a:ln>
-                <a:solidFill>
-                  <a:srgbClr val="EBEBEB"/>
-                </a:solidFill>
-                <a:effectLst/>
-                <a:latin typeface="JetBrains Mono"/>
-              </a:rPr>
-            </a:br>
-            <a:r>
-              <a:rPr kumimoji="0" lang="en-US" altLang="en-US" sz="1600" b="0" i="0" u="none" strike="noStrike" cap="none" normalizeH="0" baseline="0" dirty="0">
-                <a:ln>
-                  <a:noFill/>
-                </a:ln>
-                <a:solidFill>
-                  <a:srgbClr val="EBEBEB"/>
-                </a:solidFill>
-                <a:effectLst/>
-                <a:latin typeface="JetBrains Mono"/>
-              </a:rPr>
-              <a:t>    </a:t>
-            </a:r>
-            <a:r>
-              <a:rPr kumimoji="0" lang="en-US" altLang="en-US" sz="1600" b="0" i="0" u="none" strike="noStrike" cap="none" normalizeH="0" baseline="0" dirty="0">
-                <a:ln>
-                  <a:noFill/>
-                </a:ln>
-                <a:solidFill>
-                  <a:srgbClr val="ED864A"/>
-                </a:solidFill>
-                <a:effectLst/>
-                <a:latin typeface="JetBrains Mono"/>
-              </a:rPr>
-              <a:t>public void </a:t>
-            </a:r>
-            <a:r>
-              <a:rPr kumimoji="0" lang="en-US" altLang="en-US" sz="1600" b="0" i="0" u="none" strike="noStrike" cap="none" normalizeH="0" baseline="0" dirty="0" err="1">
-                <a:ln>
-                  <a:noFill/>
-                </a:ln>
-                <a:solidFill>
-                  <a:srgbClr val="FFCF40"/>
-                </a:solidFill>
-                <a:effectLst/>
-                <a:latin typeface="JetBrains Mono"/>
-              </a:rPr>
-              <a:t>methodOverRide</a:t>
-            </a:r>
-            <a:r>
-              <a:rPr kumimoji="0" lang="en-US" altLang="en-US" sz="1600" b="0" i="0" u="none" strike="noStrike" cap="none" normalizeH="0" baseline="0" dirty="0">
-                <a:ln>
-                  <a:noFill/>
-                </a:ln>
-                <a:solidFill>
-                  <a:srgbClr val="EBEBEB"/>
-                </a:solidFill>
-                <a:effectLst/>
-                <a:latin typeface="JetBrains Mono"/>
-              </a:rPr>
-              <a:t>() {</a:t>
-            </a:r>
-            <a:br>
-              <a:rPr kumimoji="0" lang="en-US" altLang="en-US" sz="1600" b="0" i="0" u="none" strike="noStrike" cap="none" normalizeH="0" baseline="0" dirty="0">
-                <a:ln>
-                  <a:noFill/>
-                </a:ln>
-                <a:solidFill>
-                  <a:srgbClr val="EBEBEB"/>
-                </a:solidFill>
-                <a:effectLst/>
-                <a:latin typeface="JetBrains Mono"/>
-              </a:rPr>
-            </a:br>
-            <a:r>
-              <a:rPr kumimoji="0" lang="en-US" altLang="en-US" sz="1600" b="0" i="0" u="none" strike="noStrike" cap="none" normalizeH="0" baseline="0" dirty="0">
-                <a:ln>
-                  <a:noFill/>
-                </a:ln>
-                <a:solidFill>
-                  <a:srgbClr val="EBEBEB"/>
-                </a:solidFill>
-                <a:effectLst/>
-                <a:latin typeface="JetBrains Mono"/>
-              </a:rPr>
-              <a:t>        </a:t>
-            </a:r>
-            <a:r>
-              <a:rPr kumimoji="0" lang="en-US" altLang="en-US" sz="1600" b="0" i="0" u="none" strike="noStrike" cap="none" normalizeH="0" baseline="0" dirty="0" err="1">
-                <a:ln>
-                  <a:noFill/>
-                </a:ln>
-                <a:solidFill>
-                  <a:srgbClr val="FFFFFF"/>
-                </a:solidFill>
-                <a:effectLst/>
-                <a:latin typeface="JetBrains Mono"/>
-              </a:rPr>
-              <a:t>System</a:t>
-            </a:r>
-            <a:r>
-              <a:rPr kumimoji="0" lang="en-US" altLang="en-US" sz="1600" b="0" i="0" u="none" strike="noStrike" cap="none" normalizeH="0" baseline="0" dirty="0" err="1">
-                <a:ln>
-                  <a:noFill/>
-                </a:ln>
-                <a:solidFill>
-                  <a:srgbClr val="EBEBEB"/>
-                </a:solidFill>
-                <a:effectLst/>
-                <a:latin typeface="JetBrains Mono"/>
-              </a:rPr>
-              <a:t>.</a:t>
-            </a:r>
-            <a:r>
-              <a:rPr kumimoji="0" lang="en-US" altLang="en-US" sz="1600" b="0" i="1" u="none" strike="noStrike" cap="none" normalizeH="0" baseline="0" dirty="0" err="1">
-                <a:ln>
-                  <a:noFill/>
-                </a:ln>
-                <a:solidFill>
-                  <a:srgbClr val="ED94FF"/>
-                </a:solidFill>
-                <a:effectLst/>
-                <a:latin typeface="JetBrains Mono"/>
-              </a:rPr>
-              <a:t>out</a:t>
-            </a:r>
-            <a:r>
-              <a:rPr kumimoji="0" lang="en-US" altLang="en-US" sz="1600" b="0" i="0" u="none" strike="noStrike" cap="none" normalizeH="0" baseline="0" dirty="0" err="1">
-                <a:ln>
-                  <a:noFill/>
-                </a:ln>
-                <a:solidFill>
-                  <a:srgbClr val="EBEBEB"/>
-                </a:solidFill>
-                <a:effectLst/>
-                <a:latin typeface="JetBrains Mono"/>
-              </a:rPr>
-              <a:t>.println</a:t>
-            </a:r>
-            <a:r>
-              <a:rPr kumimoji="0" lang="en-US" altLang="en-US" sz="1600" b="0" i="0" u="none" strike="noStrike" cap="none" normalizeH="0" baseline="0" dirty="0">
-                <a:ln>
-                  <a:noFill/>
-                </a:ln>
-                <a:solidFill>
-                  <a:srgbClr val="EBEBEB"/>
-                </a:solidFill>
-                <a:effectLst/>
-                <a:latin typeface="JetBrains Mono"/>
-              </a:rPr>
-              <a:t>(</a:t>
-            </a:r>
-            <a:r>
-              <a:rPr kumimoji="0" lang="en-US" altLang="en-US" sz="1600" b="0" i="0" u="none" strike="noStrike" cap="none" normalizeH="0" baseline="0" dirty="0">
-                <a:ln>
-                  <a:noFill/>
-                </a:ln>
-                <a:solidFill>
-                  <a:srgbClr val="54B33E"/>
-                </a:solidFill>
-                <a:effectLst/>
-                <a:latin typeface="JetBrains Mono"/>
-              </a:rPr>
-              <a:t>"Method from Child class called"</a:t>
-            </a:r>
-            <a:r>
-              <a:rPr kumimoji="0" lang="en-US" altLang="en-US" sz="1600" b="0" i="0" u="none" strike="noStrike" cap="none" normalizeH="0" baseline="0" dirty="0">
-                <a:ln>
-                  <a:noFill/>
-                </a:ln>
-                <a:solidFill>
-                  <a:srgbClr val="EBEBEB"/>
-                </a:solidFill>
-                <a:effectLst/>
-                <a:latin typeface="JetBrains Mono"/>
-              </a:rPr>
-              <a:t>)</a:t>
-            </a:r>
-            <a:r>
-              <a:rPr kumimoji="0" lang="en-US" altLang="en-US" sz="1600" b="1" i="0" u="none" strike="noStrike" cap="none" normalizeH="0" baseline="0" dirty="0">
-                <a:ln>
-                  <a:noFill/>
-                </a:ln>
-                <a:solidFill>
-                  <a:srgbClr val="ED864A"/>
-                </a:solidFill>
-                <a:effectLst/>
-                <a:latin typeface="JetBrains Mono"/>
-              </a:rPr>
-              <a:t>;</a:t>
-            </a:r>
-            <a:br>
-              <a:rPr kumimoji="0" lang="en-US" altLang="en-US" sz="1600" b="1" i="0" u="none" strike="noStrike" cap="none" normalizeH="0" baseline="0" dirty="0">
-                <a:ln>
-                  <a:noFill/>
-                </a:ln>
-                <a:solidFill>
-                  <a:srgbClr val="ED864A"/>
-                </a:solidFill>
-                <a:effectLst/>
-                <a:latin typeface="JetBrains Mono"/>
-              </a:rPr>
-            </a:br>
-            <a:r>
-              <a:rPr kumimoji="0" lang="en-US" altLang="en-US" sz="1600" b="1" i="0" u="none" strike="noStrike" cap="none" normalizeH="0" baseline="0" dirty="0">
-                <a:ln>
-                  <a:noFill/>
-                </a:ln>
-                <a:solidFill>
-                  <a:srgbClr val="ED864A"/>
-                </a:solidFill>
-                <a:effectLst/>
-                <a:latin typeface="JetBrains Mono"/>
-              </a:rPr>
-              <a:t>    </a:t>
-            </a:r>
-            <a:r>
-              <a:rPr kumimoji="0" lang="en-US" altLang="en-US" sz="1600" b="0" i="0" u="none" strike="noStrike" cap="none" normalizeH="0" baseline="0" dirty="0">
-                <a:ln>
-                  <a:noFill/>
-                </a:ln>
-                <a:solidFill>
-                  <a:srgbClr val="EBEBEB"/>
-                </a:solidFill>
-                <a:effectLst/>
-                <a:latin typeface="JetBrains Mono"/>
-              </a:rPr>
-              <a:t>}</a:t>
-            </a:r>
-            <a:br>
-              <a:rPr kumimoji="0" lang="en-US" altLang="en-US" sz="1600" b="0" i="0" u="none" strike="noStrike" cap="none" normalizeH="0" baseline="0" dirty="0">
-                <a:ln>
-                  <a:noFill/>
-                </a:ln>
-                <a:solidFill>
-                  <a:srgbClr val="EBEBEB"/>
-                </a:solidFill>
-                <a:effectLst/>
-                <a:latin typeface="JetBrains Mono"/>
-              </a:rPr>
-            </a:br>
-            <a:r>
-              <a:rPr kumimoji="0" lang="en-US" altLang="en-US" sz="1600" b="0" i="0" u="none" strike="noStrike" cap="none" normalizeH="0" baseline="0" dirty="0">
-                <a:ln>
-                  <a:noFill/>
-                </a:ln>
-                <a:solidFill>
-                  <a:srgbClr val="EBEBEB"/>
-                </a:solidFill>
-                <a:effectLst/>
-                <a:latin typeface="JetBrains Mono"/>
-              </a:rPr>
-              <a:t>    </a:t>
-            </a:r>
-            <a:r>
-              <a:rPr kumimoji="0" lang="en-US" altLang="en-US" sz="1600" b="0" i="0" u="none" strike="noStrike" cap="none" normalizeH="0" baseline="0" dirty="0">
-                <a:ln>
-                  <a:noFill/>
-                </a:ln>
-                <a:solidFill>
-                  <a:srgbClr val="ED864A"/>
-                </a:solidFill>
-                <a:effectLst/>
-                <a:latin typeface="JetBrains Mono"/>
-              </a:rPr>
-              <a:t>public static void </a:t>
-            </a:r>
-            <a:r>
-              <a:rPr kumimoji="0" lang="en-US" altLang="en-US" sz="1600" b="0" i="0" u="none" strike="noStrike" cap="none" normalizeH="0" baseline="0" dirty="0">
-                <a:ln>
-                  <a:noFill/>
-                </a:ln>
-                <a:solidFill>
-                  <a:srgbClr val="FFCF40"/>
-                </a:solidFill>
-                <a:effectLst/>
-                <a:latin typeface="JetBrains Mono"/>
-              </a:rPr>
-              <a:t>main</a:t>
-            </a:r>
-            <a:r>
-              <a:rPr kumimoji="0" lang="en-US" altLang="en-US" sz="1600" b="0" i="0" u="none" strike="noStrike" cap="none" normalizeH="0" baseline="0" dirty="0">
-                <a:ln>
-                  <a:noFill/>
-                </a:ln>
-                <a:solidFill>
-                  <a:srgbClr val="EBEBEB"/>
-                </a:solidFill>
-                <a:effectLst/>
-                <a:latin typeface="JetBrains Mono"/>
-              </a:rPr>
-              <a:t>(</a:t>
-            </a:r>
-            <a:r>
-              <a:rPr kumimoji="0" lang="en-US" altLang="en-US" sz="1600" b="0" i="0" u="none" strike="noStrike" cap="none" normalizeH="0" baseline="0" dirty="0">
-                <a:ln>
-                  <a:noFill/>
-                </a:ln>
-                <a:solidFill>
-                  <a:srgbClr val="FFFFFF"/>
-                </a:solidFill>
-                <a:effectLst/>
-                <a:latin typeface="JetBrains Mono"/>
-              </a:rPr>
-              <a:t>String</a:t>
-            </a:r>
-            <a:r>
-              <a:rPr kumimoji="0" lang="en-US" altLang="en-US" sz="1600" b="0" i="0" u="none" strike="noStrike" cap="none" normalizeH="0" baseline="0" dirty="0">
-                <a:ln>
-                  <a:noFill/>
-                </a:ln>
-                <a:solidFill>
-                  <a:srgbClr val="EBEBEB"/>
-                </a:solidFill>
-                <a:effectLst/>
-                <a:latin typeface="JetBrains Mono"/>
-              </a:rPr>
-              <a:t>[] </a:t>
-            </a:r>
-            <a:r>
-              <a:rPr kumimoji="0" lang="en-US" altLang="en-US" sz="1600" b="0" i="0" u="none" strike="noStrike" cap="none" normalizeH="0" baseline="0" dirty="0" err="1">
-                <a:ln>
-                  <a:noFill/>
-                </a:ln>
-                <a:solidFill>
-                  <a:srgbClr val="FFFFFF"/>
-                </a:solidFill>
-                <a:effectLst/>
-                <a:latin typeface="JetBrains Mono"/>
-              </a:rPr>
-              <a:t>args</a:t>
-            </a:r>
-            <a:r>
-              <a:rPr kumimoji="0" lang="en-US" altLang="en-US" sz="1600" b="0" i="0" u="none" strike="noStrike" cap="none" normalizeH="0" baseline="0" dirty="0">
-                <a:ln>
-                  <a:noFill/>
-                </a:ln>
-                <a:solidFill>
-                  <a:srgbClr val="EBEBEB"/>
-                </a:solidFill>
-                <a:effectLst/>
-                <a:latin typeface="JetBrains Mono"/>
-              </a:rPr>
-              <a:t>){</a:t>
-            </a:r>
-            <a:br>
-              <a:rPr kumimoji="0" lang="en-US" altLang="en-US" sz="1600" b="0" i="0" u="none" strike="noStrike" cap="none" normalizeH="0" baseline="0" dirty="0">
-                <a:ln>
-                  <a:noFill/>
-                </a:ln>
-                <a:solidFill>
-                  <a:srgbClr val="EBEBEB"/>
-                </a:solidFill>
-                <a:effectLst/>
-                <a:latin typeface="JetBrains Mono"/>
-              </a:rPr>
-            </a:br>
-            <a:r>
-              <a:rPr kumimoji="0" lang="en-US" altLang="en-US" sz="1600" b="0" i="0" u="none" strike="noStrike" cap="none" normalizeH="0" baseline="0" dirty="0">
-                <a:ln>
-                  <a:noFill/>
-                </a:ln>
-                <a:solidFill>
-                  <a:srgbClr val="EBEBEB"/>
-                </a:solidFill>
-                <a:effectLst/>
-                <a:latin typeface="JetBrains Mono"/>
-              </a:rPr>
-              <a:t>        </a:t>
-            </a:r>
-            <a:r>
-              <a:rPr kumimoji="0" lang="en-US" altLang="en-US" sz="1600" b="0" i="0" u="none" strike="noStrike" cap="none" normalizeH="0" baseline="0" dirty="0">
-                <a:ln>
-                  <a:noFill/>
-                </a:ln>
-                <a:solidFill>
-                  <a:srgbClr val="ED864A"/>
-                </a:solidFill>
-                <a:effectLst/>
-                <a:latin typeface="JetBrains Mono"/>
-              </a:rPr>
-              <a:t>new </a:t>
-            </a:r>
-            <a:r>
-              <a:rPr kumimoji="0" lang="en-US" altLang="en-US" sz="1600" b="0" i="0" u="none" strike="noStrike" cap="none" normalizeH="0" baseline="0" dirty="0" err="1">
-                <a:ln>
-                  <a:noFill/>
-                </a:ln>
-                <a:solidFill>
-                  <a:srgbClr val="EBEBEB"/>
-                </a:solidFill>
-                <a:effectLst/>
-                <a:latin typeface="JetBrains Mono"/>
-              </a:rPr>
-              <a:t>RunTimePolymorphism</a:t>
-            </a:r>
-            <a:r>
-              <a:rPr kumimoji="0" lang="en-US" altLang="en-US" sz="1600" b="0" i="0" u="none" strike="noStrike" cap="none" normalizeH="0" baseline="0" dirty="0">
-                <a:ln>
-                  <a:noFill/>
-                </a:ln>
-                <a:solidFill>
-                  <a:srgbClr val="EBEBEB"/>
-                </a:solidFill>
-                <a:effectLst/>
-                <a:latin typeface="JetBrains Mono"/>
-              </a:rPr>
-              <a:t>().</a:t>
-            </a:r>
-            <a:r>
-              <a:rPr kumimoji="0" lang="en-US" altLang="en-US" sz="1600" b="0" i="0" u="none" strike="noStrike" cap="none" normalizeH="0" baseline="0" dirty="0" err="1">
-                <a:ln>
-                  <a:noFill/>
-                </a:ln>
-                <a:solidFill>
-                  <a:srgbClr val="EBEBEB"/>
-                </a:solidFill>
-                <a:effectLst/>
-                <a:latin typeface="JetBrains Mono"/>
-              </a:rPr>
-              <a:t>methodOverRide</a:t>
-            </a:r>
-            <a:r>
-              <a:rPr kumimoji="0" lang="en-US" altLang="en-US" sz="1600" b="0" i="0" u="none" strike="noStrike" cap="none" normalizeH="0" baseline="0" dirty="0">
-                <a:ln>
-                  <a:noFill/>
-                </a:ln>
-                <a:solidFill>
-                  <a:srgbClr val="EBEBEB"/>
-                </a:solidFill>
-                <a:effectLst/>
-                <a:latin typeface="JetBrains Mono"/>
-              </a:rPr>
-              <a:t>()</a:t>
-            </a:r>
-            <a:r>
-              <a:rPr kumimoji="0" lang="en-US" altLang="en-US" sz="1600" b="1" i="0" u="none" strike="noStrike" cap="none" normalizeH="0" baseline="0" dirty="0">
-                <a:ln>
-                  <a:noFill/>
-                </a:ln>
-                <a:solidFill>
-                  <a:srgbClr val="ED864A"/>
-                </a:solidFill>
-                <a:effectLst/>
-                <a:latin typeface="JetBrains Mono"/>
-              </a:rPr>
-              <a:t>;</a:t>
-            </a:r>
-            <a:br>
-              <a:rPr kumimoji="0" lang="en-US" altLang="en-US" sz="1600" b="1" i="0" u="none" strike="noStrike" cap="none" normalizeH="0" baseline="0" dirty="0">
-                <a:ln>
-                  <a:noFill/>
-                </a:ln>
-                <a:solidFill>
-                  <a:srgbClr val="ED864A"/>
-                </a:solidFill>
-                <a:effectLst/>
-                <a:latin typeface="JetBrains Mono"/>
-              </a:rPr>
-            </a:br>
-            <a:r>
-              <a:rPr kumimoji="0" lang="en-US" altLang="en-US" sz="1600" b="1" i="0" u="none" strike="noStrike" cap="none" normalizeH="0" baseline="0" dirty="0">
-                <a:ln>
-                  <a:noFill/>
-                </a:ln>
-                <a:solidFill>
-                  <a:srgbClr val="ED864A"/>
-                </a:solidFill>
-                <a:effectLst/>
-                <a:latin typeface="JetBrains Mono"/>
-              </a:rPr>
-              <a:t>    </a:t>
-            </a:r>
-            <a:r>
-              <a:rPr kumimoji="0" lang="en-US" altLang="en-US" sz="1600" b="0" i="0" u="none" strike="noStrike" cap="none" normalizeH="0" baseline="0" dirty="0">
-                <a:ln>
-                  <a:noFill/>
-                </a:ln>
-                <a:solidFill>
-                  <a:srgbClr val="EBEBEB"/>
-                </a:solidFill>
-                <a:effectLst/>
-                <a:latin typeface="JetBrains Mono"/>
-              </a:rPr>
-              <a:t>}</a:t>
-            </a:r>
-            <a:br>
-              <a:rPr kumimoji="0" lang="en-US" altLang="en-US" sz="1600" b="0" i="0" u="none" strike="noStrike" cap="none" normalizeH="0" baseline="0" dirty="0">
-                <a:ln>
-                  <a:noFill/>
-                </a:ln>
-                <a:solidFill>
-                  <a:srgbClr val="EBEBEB"/>
-                </a:solidFill>
-                <a:effectLst/>
-                <a:latin typeface="JetBrains Mono"/>
-              </a:rPr>
-            </a:br>
-            <a:r>
-              <a:rPr kumimoji="0" lang="en-US" altLang="en-US" sz="1600" b="0" i="0" u="none" strike="noStrike" cap="none" normalizeH="0" baseline="0" dirty="0">
-                <a:ln>
-                  <a:noFill/>
-                </a:ln>
-                <a:solidFill>
-                  <a:srgbClr val="EBEBEB"/>
-                </a:solidFill>
-                <a:effectLst/>
-                <a:latin typeface="JetBrains Mono"/>
-              </a:rPr>
-              <a:t>}</a:t>
-            </a:r>
-            <a:br>
-              <a:rPr kumimoji="0" lang="en-US" altLang="en-US" sz="1600" b="0" i="0" u="none" strike="noStrike" cap="none" normalizeH="0" baseline="0" dirty="0">
+              <a:rPr kumimoji="0" lang="en-US" altLang="en-US" sz="1200" b="0" i="0" u="none" strike="noStrike" cap="none" normalizeH="0" baseline="0" dirty="0">
                 <a:ln>
                   <a:noFill/>
                 </a:ln>
@@ -7264,7 +6669,7 @@
               </a:rPr>
             </a:br>
             <a:br>
-              <a:rPr kumimoji="0" lang="en-US" altLang="en-US" sz="1600" b="0" i="0" u="none" strike="noStrike" cap="none" normalizeH="0" baseline="0" dirty="0">
+              <a:rPr kumimoji="0" lang="en-US" altLang="en-US" sz="1200" b="0" i="0" u="none" strike="noStrike" cap="none" normalizeH="0" baseline="0" dirty="0">
                 <a:ln>
                   <a:noFill/>
                 </a:ln>
@@ -7275,7 +6680,1416 @@
                 <a:latin typeface="JetBrains Mono"/>
               </a:rPr>
             </a:br>
-            <a:endParaRPr kumimoji="0" lang="en-US" altLang="en-US" sz="1600" b="0" i="0" u="none" strike="noStrike" cap="none" normalizeH="0" baseline="0" dirty="0">
+            <a:r>
+              <a:rPr kumimoji="0" lang="en-US" altLang="en-US" sz="1200" b="0" i="0" u="none" strike="noStrike" cap="none" normalizeH="0" baseline="0" dirty="0">
+                <a:ln>
+                  <a:noFill/>
+                </a:ln>
+                <a:solidFill>
+                  <a:srgbClr val="ED864A"/>
+                </a:solidFill>
+                <a:effectLst/>
+                <a:latin typeface="JetBrains Mono"/>
+              </a:rPr>
+              <a:t>class </a:t>
+            </a:r>
+            <a:r>
+              <a:rPr kumimoji="0" lang="en-US" altLang="en-US" sz="1200" b="0" i="0" u="none" strike="noStrike" cap="none" normalizeH="0" baseline="0" dirty="0">
+                <a:ln>
+                  <a:noFill/>
+                </a:ln>
+                <a:solidFill>
+                  <a:srgbClr val="FFFFFF"/>
+                </a:solidFill>
+                <a:effectLst/>
+                <a:latin typeface="JetBrains Mono"/>
+              </a:rPr>
+              <a:t>Child </a:t>
+            </a:r>
+            <a:r>
+              <a:rPr kumimoji="0" lang="en-US" altLang="en-US" sz="1200" b="0" i="0" u="none" strike="noStrike" cap="none" normalizeH="0" baseline="0" dirty="0">
+                <a:ln>
+                  <a:noFill/>
+                </a:ln>
+                <a:solidFill>
+                  <a:srgbClr val="ED864A"/>
+                </a:solidFill>
+                <a:effectLst/>
+                <a:latin typeface="JetBrains Mono"/>
+              </a:rPr>
+              <a:t>extends </a:t>
+            </a:r>
+            <a:r>
+              <a:rPr kumimoji="0" lang="en-US" altLang="en-US" sz="1200" b="0" i="0" u="none" strike="noStrike" cap="none" normalizeH="0" baseline="0" dirty="0">
+                <a:ln>
+                  <a:noFill/>
+                </a:ln>
+                <a:solidFill>
+                  <a:srgbClr val="FFFFFF"/>
+                </a:solidFill>
+                <a:effectLst/>
+                <a:latin typeface="JetBrains Mono"/>
+              </a:rPr>
+              <a:t>Parent </a:t>
+            </a:r>
+            <a:r>
+              <a:rPr kumimoji="0" lang="en-US" altLang="en-US" sz="1200" b="0" i="0" u="none" strike="noStrike" cap="none" normalizeH="0" baseline="0" dirty="0">
+                <a:ln>
+                  <a:noFill/>
+                </a:ln>
+                <a:solidFill>
+                  <a:srgbClr val="EBEBEB"/>
+                </a:solidFill>
+                <a:effectLst/>
+                <a:latin typeface="JetBrains Mono"/>
+              </a:rPr>
+              <a:t>{</a:t>
+            </a:r>
+            <a:br>
+              <a:rPr kumimoji="0" lang="en-US" altLang="en-US" sz="1200" b="0" i="0" u="none" strike="noStrike" cap="none" normalizeH="0" baseline="0" dirty="0">
+                <a:ln>
+                  <a:noFill/>
+                </a:ln>
+                <a:solidFill>
+                  <a:srgbClr val="EBEBEB"/>
+                </a:solidFill>
+                <a:effectLst/>
+                <a:latin typeface="JetBrains Mono"/>
+              </a:rPr>
+            </a:br>
+            <a:r>
+              <a:rPr kumimoji="0" lang="en-US" altLang="en-US" sz="1200" b="0" i="0" u="none" strike="noStrike" cap="none" normalizeH="0" baseline="0" dirty="0">
+                <a:ln>
+                  <a:noFill/>
+                </a:ln>
+                <a:solidFill>
+                  <a:srgbClr val="EBEBEB"/>
+                </a:solidFill>
+                <a:effectLst/>
+                <a:latin typeface="JetBrains Mono"/>
+              </a:rPr>
+              <a:t>    </a:t>
+            </a:r>
+            <a:r>
+              <a:rPr kumimoji="0" lang="en-US" altLang="en-US" sz="1200" b="0" i="0" u="none" strike="noStrike" cap="none" normalizeH="0" baseline="0" dirty="0">
+                <a:ln>
+                  <a:noFill/>
+                </a:ln>
+                <a:solidFill>
+                  <a:srgbClr val="ED864A"/>
+                </a:solidFill>
+                <a:effectLst/>
+                <a:latin typeface="JetBrains Mono"/>
+              </a:rPr>
+              <a:t>public void </a:t>
+            </a:r>
+            <a:r>
+              <a:rPr kumimoji="0" lang="en-US" altLang="en-US" sz="1200" b="0" i="0" u="none" strike="noStrike" cap="none" normalizeH="0" baseline="0" dirty="0" err="1">
+                <a:ln>
+                  <a:noFill/>
+                </a:ln>
+                <a:solidFill>
+                  <a:srgbClr val="FFCF40"/>
+                </a:solidFill>
+                <a:effectLst/>
+                <a:latin typeface="JetBrains Mono"/>
+              </a:rPr>
+              <a:t>methodOverRide</a:t>
+            </a:r>
+            <a:r>
+              <a:rPr kumimoji="0" lang="en-US" altLang="en-US" sz="1200" b="0" i="0" u="none" strike="noStrike" cap="none" normalizeH="0" baseline="0" dirty="0">
+                <a:ln>
+                  <a:noFill/>
+                </a:ln>
+                <a:solidFill>
+                  <a:srgbClr val="EBEBEB"/>
+                </a:solidFill>
+                <a:effectLst/>
+                <a:latin typeface="JetBrains Mono"/>
+              </a:rPr>
+              <a:t>() {</a:t>
+            </a:r>
+            <a:br>
+              <a:rPr kumimoji="0" lang="en-US" altLang="en-US" sz="1200" b="0" i="0" u="none" strike="noStrike" cap="none" normalizeH="0" baseline="0" dirty="0">
+                <a:ln>
+                  <a:noFill/>
+                </a:ln>
+                <a:solidFill>
+                  <a:srgbClr val="EBEBEB"/>
+                </a:solidFill>
+                <a:effectLst/>
+                <a:latin typeface="JetBrains Mono"/>
+              </a:rPr>
+            </a:br>
+            <a:r>
+              <a:rPr kumimoji="0" lang="en-US" altLang="en-US" sz="1200" b="0" i="0" u="none" strike="noStrike" cap="none" normalizeH="0" baseline="0" dirty="0">
+                <a:ln>
+                  <a:noFill/>
+                </a:ln>
+                <a:solidFill>
+                  <a:srgbClr val="EBEBEB"/>
+                </a:solidFill>
+                <a:effectLst/>
+                <a:latin typeface="JetBrains Mono"/>
+              </a:rPr>
+              <a:t>        </a:t>
+            </a:r>
+            <a:r>
+              <a:rPr kumimoji="0" lang="en-US" altLang="en-US" sz="1200" b="0" i="0" u="none" strike="noStrike" cap="none" normalizeH="0" baseline="0" dirty="0" err="1">
+                <a:ln>
+                  <a:noFill/>
+                </a:ln>
+                <a:solidFill>
+                  <a:srgbClr val="FFFFFF"/>
+                </a:solidFill>
+                <a:effectLst/>
+                <a:latin typeface="JetBrains Mono"/>
+              </a:rPr>
+              <a:t>System</a:t>
+            </a:r>
+            <a:r>
+              <a:rPr kumimoji="0" lang="en-US" altLang="en-US" sz="1200" b="0" i="0" u="none" strike="noStrike" cap="none" normalizeH="0" baseline="0" dirty="0" err="1">
+                <a:ln>
+                  <a:noFill/>
+                </a:ln>
+                <a:solidFill>
+                  <a:srgbClr val="EBEBEB"/>
+                </a:solidFill>
+                <a:effectLst/>
+                <a:latin typeface="JetBrains Mono"/>
+              </a:rPr>
+              <a:t>.</a:t>
+            </a:r>
+            <a:r>
+              <a:rPr kumimoji="0" lang="en-US" altLang="en-US" sz="1200" b="0" i="1" u="none" strike="noStrike" cap="none" normalizeH="0" baseline="0" dirty="0" err="1">
+                <a:ln>
+                  <a:noFill/>
+                </a:ln>
+                <a:solidFill>
+                  <a:srgbClr val="ED94FF"/>
+                </a:solidFill>
+                <a:effectLst/>
+                <a:latin typeface="JetBrains Mono"/>
+              </a:rPr>
+              <a:t>out</a:t>
+            </a:r>
+            <a:r>
+              <a:rPr kumimoji="0" lang="en-US" altLang="en-US" sz="1200" b="0" i="0" u="none" strike="noStrike" cap="none" normalizeH="0" baseline="0" dirty="0" err="1">
+                <a:ln>
+                  <a:noFill/>
+                </a:ln>
+                <a:solidFill>
+                  <a:srgbClr val="EBEBEB"/>
+                </a:solidFill>
+                <a:effectLst/>
+                <a:latin typeface="JetBrains Mono"/>
+              </a:rPr>
+              <a:t>.println</a:t>
+            </a:r>
+            <a:r>
+              <a:rPr kumimoji="0" lang="en-US" altLang="en-US" sz="1200" b="0" i="0" u="none" strike="noStrike" cap="none" normalizeH="0" baseline="0" dirty="0">
+                <a:ln>
+                  <a:noFill/>
+                </a:ln>
+                <a:solidFill>
+                  <a:srgbClr val="EBEBEB"/>
+                </a:solidFill>
+                <a:effectLst/>
+                <a:latin typeface="JetBrains Mono"/>
+              </a:rPr>
+              <a:t>(</a:t>
+            </a:r>
+            <a:r>
+              <a:rPr kumimoji="0" lang="en-US" altLang="en-US" sz="1200" b="0" i="0" u="none" strike="noStrike" cap="none" normalizeH="0" baseline="0" dirty="0">
+                <a:ln>
+                  <a:noFill/>
+                </a:ln>
+                <a:solidFill>
+                  <a:srgbClr val="54B33E"/>
+                </a:solidFill>
+                <a:effectLst/>
+                <a:latin typeface="JetBrains Mono"/>
+              </a:rPr>
+              <a:t>"Method from Child class called"</a:t>
+            </a:r>
+            <a:r>
+              <a:rPr kumimoji="0" lang="en-US" altLang="en-US" sz="1200" b="0" i="0" u="none" strike="noStrike" cap="none" normalizeH="0" baseline="0" dirty="0">
+                <a:ln>
+                  <a:noFill/>
+                </a:ln>
+                <a:solidFill>
+                  <a:srgbClr val="EBEBEB"/>
+                </a:solidFill>
+                <a:effectLst/>
+                <a:latin typeface="JetBrains Mono"/>
+              </a:rPr>
+              <a:t>)</a:t>
+            </a:r>
+            <a:r>
+              <a:rPr kumimoji="0" lang="en-US" altLang="en-US" sz="1200" b="1" i="0" u="none" strike="noStrike" cap="none" normalizeH="0" baseline="0" dirty="0">
+                <a:ln>
+                  <a:noFill/>
+                </a:ln>
+                <a:solidFill>
+                  <a:srgbClr val="ED864A"/>
+                </a:solidFill>
+                <a:effectLst/>
+                <a:latin typeface="JetBrains Mono"/>
+              </a:rPr>
+              <a:t>;</a:t>
+            </a:r>
+            <a:br>
+              <a:rPr kumimoji="0" lang="en-US" altLang="en-US" sz="1200" b="1" i="0" u="none" strike="noStrike" cap="none" normalizeH="0" baseline="0" dirty="0">
+                <a:ln>
+                  <a:noFill/>
+                </a:ln>
+                <a:solidFill>
+                  <a:srgbClr val="ED864A"/>
+                </a:solidFill>
+                <a:effectLst/>
+                <a:latin typeface="JetBrains Mono"/>
+              </a:rPr>
+            </a:br>
+            <a:r>
+              <a:rPr kumimoji="0" lang="en-US" altLang="en-US" sz="1200" b="1" i="0" u="none" strike="noStrike" cap="none" normalizeH="0" baseline="0" dirty="0">
+                <a:ln>
+                  <a:noFill/>
+                </a:ln>
+                <a:solidFill>
+                  <a:srgbClr val="ED864A"/>
+                </a:solidFill>
+                <a:effectLst/>
+                <a:latin typeface="JetBrains Mono"/>
+              </a:rPr>
+              <a:t>    </a:t>
+            </a:r>
+            <a:r>
+              <a:rPr kumimoji="0" lang="en-US" altLang="en-US" sz="1200" b="0" i="0" u="none" strike="noStrike" cap="none" normalizeH="0" baseline="0" dirty="0">
+                <a:ln>
+                  <a:noFill/>
+                </a:ln>
+                <a:solidFill>
+                  <a:srgbClr val="EBEBEB"/>
+                </a:solidFill>
+                <a:effectLst/>
+                <a:latin typeface="JetBrains Mono"/>
+              </a:rPr>
+              <a:t>}</a:t>
+            </a:r>
+            <a:br>
+              <a:rPr kumimoji="0" lang="en-US" altLang="en-US" sz="1200" b="0" i="0" u="none" strike="noStrike" cap="none" normalizeH="0" baseline="0" dirty="0">
+                <a:ln>
+                  <a:noFill/>
+                </a:ln>
+                <a:solidFill>
+                  <a:srgbClr val="EBEBEB"/>
+                </a:solidFill>
+                <a:effectLst/>
+                <a:latin typeface="JetBrains Mono"/>
+              </a:rPr>
+            </a:br>
+            <a:r>
+              <a:rPr kumimoji="0" lang="en-US" altLang="en-US" sz="1200" b="0" i="0" u="none" strike="noStrike" cap="none" normalizeH="0" baseline="0" dirty="0">
+                <a:ln>
+                  <a:noFill/>
+                </a:ln>
+                <a:solidFill>
+                  <a:srgbClr val="EBEBEB"/>
+                </a:solidFill>
+                <a:effectLst/>
+                <a:latin typeface="JetBrains Mono"/>
+              </a:rPr>
+              <a:t>}</a:t>
+            </a:r>
+            <a:br>
+              <a:rPr kumimoji="0" lang="en-US" altLang="en-US" sz="1200" b="0" i="0" u="none" strike="noStrike" cap="none" normalizeH="0" baseline="0" dirty="0">
+                <a:ln>
+                  <a:noFill/>
+                </a:ln>
+                <a:solidFill>
+                  <a:srgbClr val="EBEBEB"/>
+                </a:solidFill>
+                <a:effectLst/>
+                <a:latin typeface="JetBrains Mono"/>
+              </a:rPr>
+            </a:br>
+            <a:r>
+              <a:rPr kumimoji="0" lang="en-US" altLang="en-US" sz="1200" b="0" i="0" u="none" strike="noStrike" cap="none" normalizeH="0" baseline="0" dirty="0">
+                <a:ln>
+                  <a:noFill/>
+                </a:ln>
+                <a:solidFill>
+                  <a:srgbClr val="ED864A"/>
+                </a:solidFill>
+                <a:effectLst/>
+                <a:latin typeface="JetBrains Mono"/>
+              </a:rPr>
+              <a:t>public class </a:t>
+            </a:r>
+            <a:r>
+              <a:rPr kumimoji="0" lang="en-US" altLang="en-US" sz="1200" b="0" i="0" u="none" strike="noStrike" cap="none" normalizeH="0" baseline="0" dirty="0" err="1">
+                <a:ln>
+                  <a:noFill/>
+                </a:ln>
+                <a:solidFill>
+                  <a:srgbClr val="FFFFFF"/>
+                </a:solidFill>
+                <a:effectLst/>
+                <a:latin typeface="JetBrains Mono"/>
+              </a:rPr>
+              <a:t>RunTimePolymorphism</a:t>
+            </a:r>
+            <a:r>
+              <a:rPr kumimoji="0" lang="en-US" altLang="en-US" sz="1200" b="0" i="0" u="none" strike="noStrike" cap="none" normalizeH="0" baseline="0" dirty="0">
+                <a:ln>
+                  <a:noFill/>
+                </a:ln>
+                <a:solidFill>
+                  <a:srgbClr val="FFFFFF"/>
+                </a:solidFill>
+                <a:effectLst/>
+                <a:latin typeface="JetBrains Mono"/>
+              </a:rPr>
+              <a:t> </a:t>
+            </a:r>
+            <a:r>
+              <a:rPr kumimoji="0" lang="en-US" altLang="en-US" sz="1200" b="0" i="0" u="none" strike="noStrike" cap="none" normalizeH="0" baseline="0" dirty="0">
+                <a:ln>
+                  <a:noFill/>
+                </a:ln>
+                <a:solidFill>
+                  <a:srgbClr val="ED864A"/>
+                </a:solidFill>
+                <a:effectLst/>
+                <a:latin typeface="JetBrains Mono"/>
+              </a:rPr>
+              <a:t>extends </a:t>
+            </a:r>
+            <a:r>
+              <a:rPr kumimoji="0" lang="en-US" altLang="en-US" sz="1200" b="0" i="0" u="none" strike="noStrike" cap="none" normalizeH="0" baseline="0" dirty="0">
+                <a:ln>
+                  <a:noFill/>
+                </a:ln>
+                <a:solidFill>
+                  <a:srgbClr val="FFFFFF"/>
+                </a:solidFill>
+                <a:effectLst/>
+                <a:latin typeface="JetBrains Mono"/>
+              </a:rPr>
+              <a:t>Child</a:t>
+            </a:r>
+            <a:r>
+              <a:rPr kumimoji="0" lang="en-US" altLang="en-US" sz="1200" b="0" i="0" u="none" strike="noStrike" cap="none" normalizeH="0" baseline="0" dirty="0">
+                <a:ln>
+                  <a:noFill/>
+                </a:ln>
+                <a:solidFill>
+                  <a:srgbClr val="EBEBEB"/>
+                </a:solidFill>
+                <a:effectLst/>
+                <a:latin typeface="JetBrains Mono"/>
+              </a:rPr>
+              <a:t>{</a:t>
+            </a:r>
+            <a:br>
+              <a:rPr kumimoji="0" lang="en-US" altLang="en-US" sz="1200" b="0" i="0" u="none" strike="noStrike" cap="none" normalizeH="0" baseline="0" dirty="0">
+                <a:ln>
+                  <a:noFill/>
+                </a:ln>
+                <a:solidFill>
+                  <a:srgbClr val="EBEBEB"/>
+                </a:solidFill>
+                <a:effectLst/>
+                <a:latin typeface="JetBrains Mono"/>
+              </a:rPr>
+            </a:br>
+            <a:r>
+              <a:rPr kumimoji="0" lang="en-US" altLang="en-US" sz="1200" b="0" i="0" u="none" strike="noStrike" cap="none" normalizeH="0" baseline="0" dirty="0">
+                <a:ln>
+                  <a:noFill/>
+                </a:ln>
+                <a:solidFill>
+                  <a:srgbClr val="EBEBEB"/>
+                </a:solidFill>
+                <a:effectLst/>
+                <a:latin typeface="JetBrains Mono"/>
+              </a:rPr>
+              <a:t>    </a:t>
+            </a:r>
+            <a:r>
+              <a:rPr kumimoji="0" lang="en-US" altLang="en-US" sz="1200" b="0" i="0" u="none" strike="noStrike" cap="none" normalizeH="0" baseline="0" dirty="0">
+                <a:ln>
+                  <a:noFill/>
+                </a:ln>
+                <a:solidFill>
+                  <a:srgbClr val="ED864A"/>
+                </a:solidFill>
+                <a:effectLst/>
+                <a:latin typeface="JetBrains Mono"/>
+              </a:rPr>
+              <a:t>public void </a:t>
+            </a:r>
+            <a:r>
+              <a:rPr kumimoji="0" lang="en-US" altLang="en-US" sz="1200" b="0" i="0" u="none" strike="noStrike" cap="none" normalizeH="0" baseline="0" dirty="0" err="1">
+                <a:ln>
+                  <a:noFill/>
+                </a:ln>
+                <a:solidFill>
+                  <a:srgbClr val="FFCF40"/>
+                </a:solidFill>
+                <a:effectLst/>
+                <a:latin typeface="JetBrains Mono"/>
+              </a:rPr>
+              <a:t>methodOverRide</a:t>
+            </a:r>
+            <a:r>
+              <a:rPr kumimoji="0" lang="en-US" altLang="en-US" sz="1200" b="0" i="0" u="none" strike="noStrike" cap="none" normalizeH="0" baseline="0" dirty="0">
+                <a:ln>
+                  <a:noFill/>
+                </a:ln>
+                <a:solidFill>
+                  <a:srgbClr val="EBEBEB"/>
+                </a:solidFill>
+                <a:effectLst/>
+                <a:latin typeface="JetBrains Mono"/>
+              </a:rPr>
+              <a:t>() {</a:t>
+            </a:r>
+            <a:br>
+              <a:rPr kumimoji="0" lang="en-US" altLang="en-US" sz="1200" b="0" i="0" u="none" strike="noStrike" cap="none" normalizeH="0" baseline="0" dirty="0">
+                <a:ln>
+                  <a:noFill/>
+                </a:ln>
+                <a:solidFill>
+                  <a:srgbClr val="EBEBEB"/>
+                </a:solidFill>
+                <a:effectLst/>
+                <a:latin typeface="JetBrains Mono"/>
+              </a:rPr>
+            </a:br>
+            <a:r>
+              <a:rPr kumimoji="0" lang="en-US" altLang="en-US" sz="1200" b="0" i="0" u="none" strike="noStrike" cap="none" normalizeH="0" baseline="0" dirty="0">
+                <a:ln>
+                  <a:noFill/>
+                </a:ln>
+                <a:solidFill>
+                  <a:srgbClr val="EBEBEB"/>
+                </a:solidFill>
+                <a:effectLst/>
+                <a:latin typeface="JetBrains Mono"/>
+              </a:rPr>
+              <a:t>        </a:t>
+            </a:r>
+            <a:r>
+              <a:rPr kumimoji="0" lang="en-US" altLang="en-US" sz="1200" b="0" i="0" u="none" strike="noStrike" cap="none" normalizeH="0" baseline="0" dirty="0" err="1">
+                <a:ln>
+                  <a:noFill/>
+                </a:ln>
+                <a:solidFill>
+                  <a:srgbClr val="FFFFFF"/>
+                </a:solidFill>
+                <a:effectLst/>
+                <a:latin typeface="JetBrains Mono"/>
+              </a:rPr>
+              <a:t>System</a:t>
+            </a:r>
+            <a:r>
+              <a:rPr kumimoji="0" lang="en-US" altLang="en-US" sz="1200" b="0" i="0" u="none" strike="noStrike" cap="none" normalizeH="0" baseline="0" dirty="0" err="1">
+                <a:ln>
+                  <a:noFill/>
+                </a:ln>
+                <a:solidFill>
+                  <a:srgbClr val="EBEBEB"/>
+                </a:solidFill>
+                <a:effectLst/>
+                <a:latin typeface="JetBrains Mono"/>
+              </a:rPr>
+              <a:t>.</a:t>
+            </a:r>
+            <a:r>
+              <a:rPr kumimoji="0" lang="en-US" altLang="en-US" sz="1200" b="0" i="1" u="none" strike="noStrike" cap="none" normalizeH="0" baseline="0" dirty="0" err="1">
+                <a:ln>
+                  <a:noFill/>
+                </a:ln>
+                <a:solidFill>
+                  <a:srgbClr val="ED94FF"/>
+                </a:solidFill>
+                <a:effectLst/>
+                <a:latin typeface="JetBrains Mono"/>
+              </a:rPr>
+              <a:t>out</a:t>
+            </a:r>
+            <a:r>
+              <a:rPr kumimoji="0" lang="en-US" altLang="en-US" sz="1200" b="0" i="0" u="none" strike="noStrike" cap="none" normalizeH="0" baseline="0" dirty="0" err="1">
+                <a:ln>
+                  <a:noFill/>
+                </a:ln>
+                <a:solidFill>
+                  <a:srgbClr val="EBEBEB"/>
+                </a:solidFill>
+                <a:effectLst/>
+                <a:latin typeface="JetBrains Mono"/>
+              </a:rPr>
+              <a:t>.println</a:t>
+            </a:r>
+            <a:r>
+              <a:rPr kumimoji="0" lang="en-US" altLang="en-US" sz="1200" b="0" i="0" u="none" strike="noStrike" cap="none" normalizeH="0" baseline="0" dirty="0">
+                <a:ln>
+                  <a:noFill/>
+                </a:ln>
+                <a:solidFill>
+                  <a:srgbClr val="EBEBEB"/>
+                </a:solidFill>
+                <a:effectLst/>
+                <a:latin typeface="JetBrains Mono"/>
+              </a:rPr>
+              <a:t>(</a:t>
+            </a:r>
+            <a:r>
+              <a:rPr kumimoji="0" lang="en-US" altLang="en-US" sz="1200" b="0" i="0" u="none" strike="noStrike" cap="none" normalizeH="0" baseline="0" dirty="0">
+                <a:ln>
+                  <a:noFill/>
+                </a:ln>
+                <a:solidFill>
+                  <a:srgbClr val="54B33E"/>
+                </a:solidFill>
+                <a:effectLst/>
+                <a:latin typeface="JetBrains Mono"/>
+              </a:rPr>
+              <a:t>"Method from </a:t>
+            </a:r>
+            <a:r>
+              <a:rPr kumimoji="0" lang="en-US" altLang="en-US" sz="1200" b="0" i="0" u="none" strike="noStrike" cap="none" normalizeH="0" baseline="0" dirty="0" err="1">
+                <a:ln>
+                  <a:noFill/>
+                </a:ln>
+                <a:solidFill>
+                  <a:srgbClr val="54B33E"/>
+                </a:solidFill>
+                <a:effectLst/>
+                <a:latin typeface="JetBrains Mono"/>
+              </a:rPr>
+              <a:t>RunTimePolymorphism</a:t>
+            </a:r>
+            <a:r>
+              <a:rPr kumimoji="0" lang="en-US" altLang="en-US" sz="1200" b="0" i="0" u="none" strike="noStrike" cap="none" normalizeH="0" baseline="0" dirty="0">
+                <a:ln>
+                  <a:noFill/>
+                </a:ln>
+                <a:solidFill>
+                  <a:srgbClr val="54B33E"/>
+                </a:solidFill>
+                <a:effectLst/>
+                <a:latin typeface="JetBrains Mono"/>
+              </a:rPr>
+              <a:t> class called"</a:t>
+            </a:r>
+            <a:r>
+              <a:rPr kumimoji="0" lang="en-US" altLang="en-US" sz="1200" b="0" i="0" u="none" strike="noStrike" cap="none" normalizeH="0" baseline="0" dirty="0">
+                <a:ln>
+                  <a:noFill/>
+                </a:ln>
+                <a:solidFill>
+                  <a:srgbClr val="EBEBEB"/>
+                </a:solidFill>
+                <a:effectLst/>
+                <a:latin typeface="JetBrains Mono"/>
+              </a:rPr>
+              <a:t>)</a:t>
+            </a:r>
+            <a:r>
+              <a:rPr kumimoji="0" lang="en-US" altLang="en-US" sz="1200" b="1" i="0" u="none" strike="noStrike" cap="none" normalizeH="0" baseline="0" dirty="0">
+                <a:ln>
+                  <a:noFill/>
+                </a:ln>
+                <a:solidFill>
+                  <a:srgbClr val="ED864A"/>
+                </a:solidFill>
+                <a:effectLst/>
+                <a:latin typeface="JetBrains Mono"/>
+              </a:rPr>
+              <a:t>;</a:t>
+            </a:r>
+            <a:br>
+              <a:rPr kumimoji="0" lang="en-US" altLang="en-US" sz="1200" b="1" i="0" u="none" strike="noStrike" cap="none" normalizeH="0" baseline="0" dirty="0">
+                <a:ln>
+                  <a:noFill/>
+                </a:ln>
+                <a:solidFill>
+                  <a:srgbClr val="ED864A"/>
+                </a:solidFill>
+                <a:effectLst/>
+                <a:latin typeface="JetBrains Mono"/>
+              </a:rPr>
+            </a:br>
+            <a:r>
+              <a:rPr kumimoji="0" lang="en-US" altLang="en-US" sz="1200" b="1" i="0" u="none" strike="noStrike" cap="none" normalizeH="0" baseline="0" dirty="0">
+                <a:ln>
+                  <a:noFill/>
+                </a:ln>
+                <a:solidFill>
+                  <a:srgbClr val="ED864A"/>
+                </a:solidFill>
+                <a:effectLst/>
+                <a:latin typeface="JetBrains Mono"/>
+              </a:rPr>
+              <a:t>    </a:t>
+            </a:r>
+            <a:r>
+              <a:rPr kumimoji="0" lang="en-US" altLang="en-US" sz="1200" b="0" i="0" u="none" strike="noStrike" cap="none" normalizeH="0" baseline="0" dirty="0">
+                <a:ln>
+                  <a:noFill/>
+                </a:ln>
+                <a:solidFill>
+                  <a:srgbClr val="EBEBEB"/>
+                </a:solidFill>
+                <a:effectLst/>
+                <a:latin typeface="JetBrains Mono"/>
+              </a:rPr>
+              <a:t>}</a:t>
+            </a:r>
+            <a:br>
+              <a:rPr kumimoji="0" lang="en-US" altLang="en-US" sz="1200" b="0" i="0" u="none" strike="noStrike" cap="none" normalizeH="0" baseline="0" dirty="0">
+                <a:ln>
+                  <a:noFill/>
+                </a:ln>
+                <a:solidFill>
+                  <a:srgbClr val="EBEBEB"/>
+                </a:solidFill>
+                <a:effectLst/>
+                <a:latin typeface="JetBrains Mono"/>
+              </a:rPr>
+            </a:br>
+            <a:r>
+              <a:rPr kumimoji="0" lang="en-US" altLang="en-US" sz="1200" b="0" i="0" u="none" strike="noStrike" cap="none" normalizeH="0" baseline="0" dirty="0">
+                <a:ln>
+                  <a:noFill/>
+                </a:ln>
+                <a:solidFill>
+                  <a:srgbClr val="EBEBEB"/>
+                </a:solidFill>
+                <a:effectLst/>
+                <a:latin typeface="JetBrains Mono"/>
+              </a:rPr>
+              <a:t>    </a:t>
+            </a:r>
+            <a:r>
+              <a:rPr kumimoji="0" lang="en-US" altLang="en-US" sz="1200" b="0" i="0" u="none" strike="noStrike" cap="none" normalizeH="0" baseline="0" dirty="0">
+                <a:ln>
+                  <a:noFill/>
+                </a:ln>
+                <a:solidFill>
+                  <a:srgbClr val="ED864A"/>
+                </a:solidFill>
+                <a:effectLst/>
+                <a:latin typeface="JetBrains Mono"/>
+              </a:rPr>
+              <a:t>public static void </a:t>
+            </a:r>
+            <a:r>
+              <a:rPr kumimoji="0" lang="en-US" altLang="en-US" sz="1200" b="0" i="0" u="none" strike="noStrike" cap="none" normalizeH="0" baseline="0" dirty="0">
+                <a:ln>
+                  <a:noFill/>
+                </a:ln>
+                <a:solidFill>
+                  <a:srgbClr val="FFCF40"/>
+                </a:solidFill>
+                <a:effectLst/>
+                <a:latin typeface="JetBrains Mono"/>
+              </a:rPr>
+              <a:t>main</a:t>
+            </a:r>
+            <a:r>
+              <a:rPr kumimoji="0" lang="en-US" altLang="en-US" sz="1200" b="0" i="0" u="none" strike="noStrike" cap="none" normalizeH="0" baseline="0" dirty="0">
+                <a:ln>
+                  <a:noFill/>
+                </a:ln>
+                <a:solidFill>
+                  <a:srgbClr val="EBEBEB"/>
+                </a:solidFill>
+                <a:effectLst/>
+                <a:latin typeface="JetBrains Mono"/>
+              </a:rPr>
+              <a:t>(</a:t>
+            </a:r>
+            <a:r>
+              <a:rPr kumimoji="0" lang="en-US" altLang="en-US" sz="1200" b="0" i="0" u="none" strike="noStrike" cap="none" normalizeH="0" baseline="0" dirty="0">
+                <a:ln>
+                  <a:noFill/>
+                </a:ln>
+                <a:solidFill>
+                  <a:srgbClr val="FFFFFF"/>
+                </a:solidFill>
+                <a:effectLst/>
+                <a:latin typeface="JetBrains Mono"/>
+              </a:rPr>
+              <a:t>String</a:t>
+            </a:r>
+            <a:r>
+              <a:rPr kumimoji="0" lang="en-US" altLang="en-US" sz="1200" b="0" i="0" u="none" strike="noStrike" cap="none" normalizeH="0" baseline="0" dirty="0">
+                <a:ln>
+                  <a:noFill/>
+                </a:ln>
+                <a:solidFill>
+                  <a:srgbClr val="EBEBEB"/>
+                </a:solidFill>
+                <a:effectLst/>
+                <a:latin typeface="JetBrains Mono"/>
+              </a:rPr>
+              <a:t>[] </a:t>
+            </a:r>
+            <a:r>
+              <a:rPr kumimoji="0" lang="en-US" altLang="en-US" sz="1200" b="0" i="0" u="none" strike="noStrike" cap="none" normalizeH="0" baseline="0" dirty="0" err="1">
+                <a:ln>
+                  <a:noFill/>
+                </a:ln>
+                <a:solidFill>
+                  <a:srgbClr val="FFFFFF"/>
+                </a:solidFill>
+                <a:effectLst/>
+                <a:latin typeface="JetBrains Mono"/>
+              </a:rPr>
+              <a:t>args</a:t>
+            </a:r>
+            <a:r>
+              <a:rPr kumimoji="0" lang="en-US" altLang="en-US" sz="1200" b="0" i="0" u="none" strike="noStrike" cap="none" normalizeH="0" baseline="0" dirty="0">
+                <a:ln>
+                  <a:noFill/>
+                </a:ln>
+                <a:solidFill>
+                  <a:srgbClr val="EBEBEB"/>
+                </a:solidFill>
+                <a:effectLst/>
+                <a:latin typeface="JetBrains Mono"/>
+              </a:rPr>
+              <a:t>){</a:t>
+            </a:r>
+            <a:br>
+              <a:rPr kumimoji="0" lang="en-US" altLang="en-US" sz="1200" b="0" i="0" u="none" strike="noStrike" cap="none" normalizeH="0" baseline="0" dirty="0">
+                <a:ln>
+                  <a:noFill/>
+                </a:ln>
+                <a:solidFill>
+                  <a:srgbClr val="EBEBEB"/>
+                </a:solidFill>
+                <a:effectLst/>
+                <a:latin typeface="JetBrains Mono"/>
+              </a:rPr>
+            </a:br>
+            <a:r>
+              <a:rPr kumimoji="0" lang="en-US" altLang="en-US" sz="1200" b="0" i="0" u="none" strike="noStrike" cap="none" normalizeH="0" baseline="0" dirty="0">
+                <a:ln>
+                  <a:noFill/>
+                </a:ln>
+                <a:solidFill>
+                  <a:srgbClr val="EBEBEB"/>
+                </a:solidFill>
+                <a:effectLst/>
+                <a:latin typeface="JetBrains Mono"/>
+              </a:rPr>
+              <a:t>        </a:t>
+            </a:r>
+            <a:r>
+              <a:rPr kumimoji="0" lang="en-US" altLang="en-US" sz="1200" b="0" i="0" u="none" strike="noStrike" cap="none" normalizeH="0" baseline="0" dirty="0">
+                <a:ln>
+                  <a:noFill/>
+                </a:ln>
+                <a:solidFill>
+                  <a:srgbClr val="FFFFFF"/>
+                </a:solidFill>
+                <a:effectLst/>
+                <a:latin typeface="JetBrains Mono"/>
+              </a:rPr>
+              <a:t>Parent p </a:t>
+            </a:r>
+            <a:r>
+              <a:rPr kumimoji="0" lang="en-US" altLang="en-US" sz="1200" b="0" i="0" u="none" strike="noStrike" cap="none" normalizeH="0" baseline="0" dirty="0">
+                <a:ln>
+                  <a:noFill/>
+                </a:ln>
+                <a:solidFill>
+                  <a:srgbClr val="EBEBEB"/>
+                </a:solidFill>
+                <a:effectLst/>
+                <a:latin typeface="JetBrains Mono"/>
+              </a:rPr>
+              <a:t>= </a:t>
+            </a:r>
+            <a:r>
+              <a:rPr kumimoji="0" lang="en-US" altLang="en-US" sz="1200" b="0" i="0" u="none" strike="noStrike" cap="none" normalizeH="0" baseline="0" dirty="0">
+                <a:ln>
+                  <a:noFill/>
+                </a:ln>
+                <a:solidFill>
+                  <a:srgbClr val="ED864A"/>
+                </a:solidFill>
+                <a:effectLst/>
+                <a:latin typeface="JetBrains Mono"/>
+              </a:rPr>
+              <a:t>new </a:t>
+            </a:r>
+            <a:r>
+              <a:rPr kumimoji="0" lang="en-US" altLang="en-US" sz="1200" b="0" i="0" u="none" strike="noStrike" cap="none" normalizeH="0" baseline="0" dirty="0">
+                <a:ln>
+                  <a:noFill/>
+                </a:ln>
+                <a:solidFill>
+                  <a:srgbClr val="EBEBEB"/>
+                </a:solidFill>
+                <a:effectLst/>
+                <a:latin typeface="JetBrains Mono"/>
+              </a:rPr>
+              <a:t>Parent()</a:t>
+            </a:r>
+            <a:r>
+              <a:rPr kumimoji="0" lang="en-US" altLang="en-US" sz="1200" b="1" i="0" u="none" strike="noStrike" cap="none" normalizeH="0" baseline="0" dirty="0">
+                <a:ln>
+                  <a:noFill/>
+                </a:ln>
+                <a:solidFill>
+                  <a:srgbClr val="ED864A"/>
+                </a:solidFill>
+                <a:effectLst/>
+                <a:latin typeface="JetBrains Mono"/>
+              </a:rPr>
+              <a:t>;</a:t>
+            </a:r>
+            <a:br>
+              <a:rPr kumimoji="0" lang="en-US" altLang="en-US" sz="1200" b="1" i="0" u="none" strike="noStrike" cap="none" normalizeH="0" baseline="0" dirty="0">
+                <a:ln>
+                  <a:noFill/>
+                </a:ln>
+                <a:solidFill>
+                  <a:srgbClr val="ED864A"/>
+                </a:solidFill>
+                <a:effectLst/>
+                <a:latin typeface="JetBrains Mono"/>
+              </a:rPr>
+            </a:br>
+            <a:r>
+              <a:rPr kumimoji="0" lang="en-US" altLang="en-US" sz="1200" b="1" i="0" u="none" strike="noStrike" cap="none" normalizeH="0" baseline="0" dirty="0">
+                <a:ln>
+                  <a:noFill/>
+                </a:ln>
+                <a:solidFill>
+                  <a:srgbClr val="ED864A"/>
+                </a:solidFill>
+                <a:effectLst/>
+                <a:latin typeface="JetBrains Mono"/>
+              </a:rPr>
+              <a:t>        </a:t>
+            </a:r>
+            <a:r>
+              <a:rPr kumimoji="0" lang="en-US" altLang="en-US" sz="1200" b="0" i="0" u="none" strike="noStrike" cap="none" normalizeH="0" baseline="0" dirty="0" err="1">
+                <a:ln>
+                  <a:noFill/>
+                </a:ln>
+                <a:solidFill>
+                  <a:srgbClr val="FFFFFF"/>
+                </a:solidFill>
+                <a:effectLst/>
+                <a:latin typeface="JetBrains Mono"/>
+              </a:rPr>
+              <a:t>p</a:t>
+            </a:r>
+            <a:r>
+              <a:rPr kumimoji="0" lang="en-US" altLang="en-US" sz="1200" b="0" i="0" u="none" strike="noStrike" cap="none" normalizeH="0" baseline="0" dirty="0" err="1">
+                <a:ln>
+                  <a:noFill/>
+                </a:ln>
+                <a:solidFill>
+                  <a:srgbClr val="EBEBEB"/>
+                </a:solidFill>
+                <a:effectLst/>
+                <a:latin typeface="JetBrains Mono"/>
+              </a:rPr>
+              <a:t>.methodOverRide</a:t>
+            </a:r>
+            <a:r>
+              <a:rPr kumimoji="0" lang="en-US" altLang="en-US" sz="1200" b="0" i="0" u="none" strike="noStrike" cap="none" normalizeH="0" baseline="0" dirty="0">
+                <a:ln>
+                  <a:noFill/>
+                </a:ln>
+                <a:solidFill>
+                  <a:srgbClr val="EBEBEB"/>
+                </a:solidFill>
+                <a:effectLst/>
+                <a:latin typeface="JetBrains Mono"/>
+              </a:rPr>
+              <a:t>()</a:t>
+            </a:r>
+            <a:r>
+              <a:rPr kumimoji="0" lang="en-US" altLang="en-US" sz="1200" b="1" i="0" u="none" strike="noStrike" cap="none" normalizeH="0" baseline="0" dirty="0">
+                <a:ln>
+                  <a:noFill/>
+                </a:ln>
+                <a:solidFill>
+                  <a:srgbClr val="ED864A"/>
+                </a:solidFill>
+                <a:effectLst/>
+                <a:latin typeface="JetBrains Mono"/>
+              </a:rPr>
+              <a:t>;</a:t>
+            </a:r>
+            <a:br>
+              <a:rPr kumimoji="0" lang="en-US" altLang="en-US" sz="1200" b="1" i="0" u="none" strike="noStrike" cap="none" normalizeH="0" baseline="0" dirty="0">
+                <a:ln>
+                  <a:noFill/>
+                </a:ln>
+                <a:solidFill>
+                  <a:srgbClr val="ED864A"/>
+                </a:solidFill>
+                <a:effectLst/>
+                <a:latin typeface="JetBrains Mono"/>
+              </a:rPr>
+            </a:br>
+            <a:br>
+              <a:rPr kumimoji="0" lang="en-US" altLang="en-US" sz="1200" b="1" i="0" u="none" strike="noStrike" cap="none" normalizeH="0" baseline="0" dirty="0">
+                <a:ln>
+                  <a:noFill/>
+                </a:ln>
+                <a:solidFill>
+                  <a:srgbClr val="ED864A"/>
+                </a:solidFill>
+                <a:effectLst/>
+                <a:latin typeface="JetBrains Mono"/>
+              </a:rPr>
+            </a:br>
+            <a:r>
+              <a:rPr kumimoji="0" lang="en-US" altLang="en-US" sz="1200" b="1" i="0" u="none" strike="noStrike" cap="none" normalizeH="0" baseline="0" dirty="0">
+                <a:ln>
+                  <a:noFill/>
+                </a:ln>
+                <a:solidFill>
+                  <a:srgbClr val="ED864A"/>
+                </a:solidFill>
+                <a:effectLst/>
+                <a:latin typeface="JetBrains Mono"/>
+              </a:rPr>
+              <a:t>        </a:t>
+            </a:r>
+            <a:r>
+              <a:rPr kumimoji="0" lang="en-US" altLang="en-US" sz="1200" b="0" i="0" u="none" strike="noStrike" cap="none" normalizeH="0" baseline="0" dirty="0">
+                <a:ln>
+                  <a:noFill/>
+                </a:ln>
+                <a:solidFill>
+                  <a:srgbClr val="FFFFFF"/>
+                </a:solidFill>
+                <a:effectLst/>
+                <a:latin typeface="JetBrains Mono"/>
+              </a:rPr>
+              <a:t>p </a:t>
+            </a:r>
+            <a:r>
+              <a:rPr kumimoji="0" lang="en-US" altLang="en-US" sz="1200" b="0" i="0" u="none" strike="noStrike" cap="none" normalizeH="0" baseline="0" dirty="0">
+                <a:ln>
+                  <a:noFill/>
+                </a:ln>
+                <a:solidFill>
+                  <a:srgbClr val="EBEBEB"/>
+                </a:solidFill>
+                <a:effectLst/>
+                <a:latin typeface="JetBrains Mono"/>
+              </a:rPr>
+              <a:t>= </a:t>
+            </a:r>
+            <a:r>
+              <a:rPr kumimoji="0" lang="en-US" altLang="en-US" sz="1200" b="0" i="0" u="none" strike="noStrike" cap="none" normalizeH="0" baseline="0" dirty="0">
+                <a:ln>
+                  <a:noFill/>
+                </a:ln>
+                <a:solidFill>
+                  <a:srgbClr val="ED864A"/>
+                </a:solidFill>
+                <a:effectLst/>
+                <a:latin typeface="JetBrains Mono"/>
+              </a:rPr>
+              <a:t>new </a:t>
+            </a:r>
+            <a:r>
+              <a:rPr kumimoji="0" lang="en-US" altLang="en-US" sz="1200" b="0" i="0" u="none" strike="noStrike" cap="none" normalizeH="0" baseline="0" dirty="0">
+                <a:ln>
+                  <a:noFill/>
+                </a:ln>
+                <a:solidFill>
+                  <a:srgbClr val="EBEBEB"/>
+                </a:solidFill>
+                <a:effectLst/>
+                <a:latin typeface="JetBrains Mono"/>
+              </a:rPr>
+              <a:t>Child()</a:t>
+            </a:r>
+            <a:r>
+              <a:rPr kumimoji="0" lang="en-US" altLang="en-US" sz="1200" b="1" i="0" u="none" strike="noStrike" cap="none" normalizeH="0" baseline="0" dirty="0">
+                <a:ln>
+                  <a:noFill/>
+                </a:ln>
+                <a:solidFill>
+                  <a:srgbClr val="ED864A"/>
+                </a:solidFill>
+                <a:effectLst/>
+                <a:latin typeface="JetBrains Mono"/>
+              </a:rPr>
+              <a:t>;</a:t>
+            </a:r>
+            <a:br>
+              <a:rPr kumimoji="0" lang="en-US" altLang="en-US" sz="1200" b="1" i="0" u="none" strike="noStrike" cap="none" normalizeH="0" baseline="0" dirty="0">
+                <a:ln>
+                  <a:noFill/>
+                </a:ln>
+                <a:solidFill>
+                  <a:srgbClr val="ED864A"/>
+                </a:solidFill>
+                <a:effectLst/>
+                <a:latin typeface="JetBrains Mono"/>
+              </a:rPr>
+            </a:br>
+            <a:r>
+              <a:rPr kumimoji="0" lang="en-US" altLang="en-US" sz="1200" b="1" i="0" u="none" strike="noStrike" cap="none" normalizeH="0" baseline="0" dirty="0">
+                <a:ln>
+                  <a:noFill/>
+                </a:ln>
+                <a:solidFill>
+                  <a:srgbClr val="ED864A"/>
+                </a:solidFill>
+                <a:effectLst/>
+                <a:latin typeface="JetBrains Mono"/>
+              </a:rPr>
+              <a:t>        </a:t>
+            </a:r>
+            <a:r>
+              <a:rPr kumimoji="0" lang="en-US" altLang="en-US" sz="1200" b="0" i="0" u="none" strike="noStrike" cap="none" normalizeH="0" baseline="0" dirty="0" err="1">
+                <a:ln>
+                  <a:noFill/>
+                </a:ln>
+                <a:solidFill>
+                  <a:srgbClr val="FFFFFF"/>
+                </a:solidFill>
+                <a:effectLst/>
+                <a:latin typeface="JetBrains Mono"/>
+              </a:rPr>
+              <a:t>p</a:t>
+            </a:r>
+            <a:r>
+              <a:rPr kumimoji="0" lang="en-US" altLang="en-US" sz="1200" b="0" i="0" u="none" strike="noStrike" cap="none" normalizeH="0" baseline="0" dirty="0" err="1">
+                <a:ln>
+                  <a:noFill/>
+                </a:ln>
+                <a:solidFill>
+                  <a:srgbClr val="EBEBEB"/>
+                </a:solidFill>
+                <a:effectLst/>
+                <a:latin typeface="JetBrains Mono"/>
+              </a:rPr>
+              <a:t>.methodOverRide</a:t>
+            </a:r>
+            <a:r>
+              <a:rPr kumimoji="0" lang="en-US" altLang="en-US" sz="1200" b="0" i="0" u="none" strike="noStrike" cap="none" normalizeH="0" baseline="0" dirty="0">
+                <a:ln>
+                  <a:noFill/>
+                </a:ln>
+                <a:solidFill>
+                  <a:srgbClr val="EBEBEB"/>
+                </a:solidFill>
+                <a:effectLst/>
+                <a:latin typeface="JetBrains Mono"/>
+              </a:rPr>
+              <a:t>()</a:t>
+            </a:r>
+            <a:r>
+              <a:rPr kumimoji="0" lang="en-US" altLang="en-US" sz="1200" b="1" i="0" u="none" strike="noStrike" cap="none" normalizeH="0" baseline="0" dirty="0">
+                <a:ln>
+                  <a:noFill/>
+                </a:ln>
+                <a:solidFill>
+                  <a:srgbClr val="ED864A"/>
+                </a:solidFill>
+                <a:effectLst/>
+                <a:latin typeface="JetBrains Mono"/>
+              </a:rPr>
+              <a:t>;</a:t>
+            </a:r>
+            <a:br>
+              <a:rPr kumimoji="0" lang="en-US" altLang="en-US" sz="1200" b="1" i="0" u="none" strike="noStrike" cap="none" normalizeH="0" baseline="0" dirty="0">
+                <a:ln>
+                  <a:noFill/>
+                </a:ln>
+                <a:solidFill>
+                  <a:srgbClr val="ED864A"/>
+                </a:solidFill>
+                <a:effectLst/>
+                <a:latin typeface="JetBrains Mono"/>
+              </a:rPr>
+            </a:br>
+            <a:br>
+              <a:rPr kumimoji="0" lang="en-US" altLang="en-US" sz="1200" b="1" i="0" u="none" strike="noStrike" cap="none" normalizeH="0" baseline="0" dirty="0">
+                <a:ln>
+                  <a:noFill/>
+                </a:ln>
+                <a:solidFill>
+                  <a:srgbClr val="ED864A"/>
+                </a:solidFill>
+                <a:effectLst/>
+                <a:latin typeface="JetBrains Mono"/>
+              </a:rPr>
+            </a:br>
+            <a:r>
+              <a:rPr kumimoji="0" lang="en-US" altLang="en-US" sz="1200" b="1" i="0" u="none" strike="noStrike" cap="none" normalizeH="0" baseline="0" dirty="0">
+                <a:ln>
+                  <a:noFill/>
+                </a:ln>
+                <a:solidFill>
+                  <a:srgbClr val="ED864A"/>
+                </a:solidFill>
+                <a:effectLst/>
+                <a:latin typeface="JetBrains Mono"/>
+              </a:rPr>
+              <a:t>        </a:t>
+            </a:r>
+            <a:r>
+              <a:rPr kumimoji="0" lang="en-US" altLang="en-US" sz="1200" b="0" i="0" u="none" strike="noStrike" cap="none" normalizeH="0" baseline="0" dirty="0">
+                <a:ln>
+                  <a:noFill/>
+                </a:ln>
+                <a:solidFill>
+                  <a:srgbClr val="FFFFFF"/>
+                </a:solidFill>
+                <a:effectLst/>
+                <a:latin typeface="JetBrains Mono"/>
+              </a:rPr>
+              <a:t>p </a:t>
+            </a:r>
+            <a:r>
+              <a:rPr kumimoji="0" lang="en-US" altLang="en-US" sz="1200" b="0" i="0" u="none" strike="noStrike" cap="none" normalizeH="0" baseline="0" dirty="0">
+                <a:ln>
+                  <a:noFill/>
+                </a:ln>
+                <a:solidFill>
+                  <a:srgbClr val="EBEBEB"/>
+                </a:solidFill>
+                <a:effectLst/>
+                <a:latin typeface="JetBrains Mono"/>
+              </a:rPr>
+              <a:t>= </a:t>
+            </a:r>
+            <a:r>
+              <a:rPr kumimoji="0" lang="en-US" altLang="en-US" sz="1200" b="0" i="0" u="none" strike="noStrike" cap="none" normalizeH="0" baseline="0" dirty="0">
+                <a:ln>
+                  <a:noFill/>
+                </a:ln>
+                <a:solidFill>
+                  <a:srgbClr val="ED864A"/>
+                </a:solidFill>
+                <a:effectLst/>
+                <a:latin typeface="JetBrains Mono"/>
+              </a:rPr>
+              <a:t>new </a:t>
+            </a:r>
+            <a:r>
+              <a:rPr kumimoji="0" lang="en-US" altLang="en-US" sz="1200" b="0" i="0" u="none" strike="noStrike" cap="none" normalizeH="0" baseline="0" dirty="0" err="1">
+                <a:ln>
+                  <a:noFill/>
+                </a:ln>
+                <a:solidFill>
+                  <a:srgbClr val="EBEBEB"/>
+                </a:solidFill>
+                <a:effectLst/>
+                <a:latin typeface="JetBrains Mono"/>
+              </a:rPr>
+              <a:t>RunTimePolymorphism</a:t>
+            </a:r>
+            <a:r>
+              <a:rPr kumimoji="0" lang="en-US" altLang="en-US" sz="1200" b="0" i="0" u="none" strike="noStrike" cap="none" normalizeH="0" baseline="0" dirty="0">
+                <a:ln>
+                  <a:noFill/>
+                </a:ln>
+                <a:solidFill>
+                  <a:srgbClr val="EBEBEB"/>
+                </a:solidFill>
+                <a:effectLst/>
+                <a:latin typeface="JetBrains Mono"/>
+              </a:rPr>
+              <a:t>()</a:t>
+            </a:r>
+            <a:r>
+              <a:rPr kumimoji="0" lang="en-US" altLang="en-US" sz="1200" b="1" i="0" u="none" strike="noStrike" cap="none" normalizeH="0" baseline="0" dirty="0">
+                <a:ln>
+                  <a:noFill/>
+                </a:ln>
+                <a:solidFill>
+                  <a:srgbClr val="ED864A"/>
+                </a:solidFill>
+                <a:effectLst/>
+                <a:latin typeface="JetBrains Mono"/>
+              </a:rPr>
+              <a:t>;</a:t>
+            </a:r>
+            <a:br>
+              <a:rPr kumimoji="0" lang="en-US" altLang="en-US" sz="1200" b="1" i="0" u="none" strike="noStrike" cap="none" normalizeH="0" baseline="0" dirty="0">
+                <a:ln>
+                  <a:noFill/>
+                </a:ln>
+                <a:solidFill>
+                  <a:srgbClr val="ED864A"/>
+                </a:solidFill>
+                <a:effectLst/>
+                <a:latin typeface="JetBrains Mono"/>
+              </a:rPr>
+            </a:br>
+            <a:r>
+              <a:rPr kumimoji="0" lang="en-US" altLang="en-US" sz="1200" b="1" i="0" u="none" strike="noStrike" cap="none" normalizeH="0" baseline="0" dirty="0">
+                <a:ln>
+                  <a:noFill/>
+                </a:ln>
+                <a:solidFill>
+                  <a:srgbClr val="ED864A"/>
+                </a:solidFill>
+                <a:effectLst/>
+                <a:latin typeface="JetBrains Mono"/>
+              </a:rPr>
+              <a:t>        </a:t>
+            </a:r>
+            <a:r>
+              <a:rPr kumimoji="0" lang="en-US" altLang="en-US" sz="1200" b="0" i="0" u="none" strike="noStrike" cap="none" normalizeH="0" baseline="0" dirty="0" err="1">
+                <a:ln>
+                  <a:noFill/>
+                </a:ln>
+                <a:solidFill>
+                  <a:srgbClr val="FFFFFF"/>
+                </a:solidFill>
+                <a:effectLst/>
+                <a:latin typeface="JetBrains Mono"/>
+              </a:rPr>
+              <a:t>p</a:t>
+            </a:r>
+            <a:r>
+              <a:rPr kumimoji="0" lang="en-US" altLang="en-US" sz="1200" b="0" i="0" u="none" strike="noStrike" cap="none" normalizeH="0" baseline="0" dirty="0" err="1">
+                <a:ln>
+                  <a:noFill/>
+                </a:ln>
+                <a:solidFill>
+                  <a:srgbClr val="EBEBEB"/>
+                </a:solidFill>
+                <a:effectLst/>
+                <a:latin typeface="JetBrains Mono"/>
+              </a:rPr>
+              <a:t>.methodOverRide</a:t>
+            </a:r>
+            <a:r>
+              <a:rPr kumimoji="0" lang="en-US" altLang="en-US" sz="1200" b="0" i="0" u="none" strike="noStrike" cap="none" normalizeH="0" baseline="0" dirty="0">
+                <a:ln>
+                  <a:noFill/>
+                </a:ln>
+                <a:solidFill>
+                  <a:srgbClr val="EBEBEB"/>
+                </a:solidFill>
+                <a:effectLst/>
+                <a:latin typeface="JetBrains Mono"/>
+              </a:rPr>
+              <a:t>()</a:t>
+            </a:r>
+            <a:r>
+              <a:rPr kumimoji="0" lang="en-US" altLang="en-US" sz="1200" b="1" i="0" u="none" strike="noStrike" cap="none" normalizeH="0" baseline="0" dirty="0">
+                <a:ln>
+                  <a:noFill/>
+                </a:ln>
+                <a:solidFill>
+                  <a:srgbClr val="ED864A"/>
+                </a:solidFill>
+                <a:effectLst/>
+                <a:latin typeface="JetBrains Mono"/>
+              </a:rPr>
+              <a:t>;</a:t>
+            </a:r>
+            <a:br>
+              <a:rPr kumimoji="0" lang="en-US" altLang="en-US" sz="1200" b="1" i="0" u="none" strike="noStrike" cap="none" normalizeH="0" baseline="0" dirty="0">
+                <a:ln>
+                  <a:noFill/>
+                </a:ln>
+                <a:solidFill>
+                  <a:srgbClr val="ED864A"/>
+                </a:solidFill>
+                <a:effectLst/>
+                <a:latin typeface="JetBrains Mono"/>
+              </a:rPr>
+            </a:br>
+            <a:r>
+              <a:rPr kumimoji="0" lang="en-US" altLang="en-US" sz="1200" b="1" i="0" u="none" strike="noStrike" cap="none" normalizeH="0" baseline="0" dirty="0">
+                <a:ln>
+                  <a:noFill/>
+                </a:ln>
+                <a:solidFill>
+                  <a:srgbClr val="ED864A"/>
+                </a:solidFill>
+                <a:effectLst/>
+                <a:latin typeface="JetBrains Mono"/>
+              </a:rPr>
+              <a:t>    </a:t>
+            </a:r>
+            <a:r>
+              <a:rPr kumimoji="0" lang="en-US" altLang="en-US" sz="1200" b="0" i="0" u="none" strike="noStrike" cap="none" normalizeH="0" baseline="0" dirty="0">
+                <a:ln>
+                  <a:noFill/>
+                </a:ln>
+                <a:solidFill>
+                  <a:srgbClr val="EBEBEB"/>
+                </a:solidFill>
+                <a:effectLst/>
+                <a:latin typeface="JetBrains Mono"/>
+              </a:rPr>
+              <a:t>}</a:t>
+            </a:r>
+            <a:br>
+              <a:rPr kumimoji="0" lang="en-US" altLang="en-US" sz="1200" b="0" i="0" u="none" strike="noStrike" cap="none" normalizeH="0" baseline="0" dirty="0">
+                <a:ln>
+                  <a:noFill/>
+                </a:ln>
+                <a:solidFill>
+                  <a:srgbClr val="EBEBEB"/>
+                </a:solidFill>
+                <a:effectLst/>
+                <a:latin typeface="JetBrains Mono"/>
+              </a:rPr>
+            </a:br>
+            <a:r>
+              <a:rPr kumimoji="0" lang="en-US" altLang="en-US" sz="1200" b="0" i="0" u="none" strike="noStrike" cap="none" normalizeH="0" baseline="0" dirty="0">
+                <a:ln>
+                  <a:noFill/>
+                </a:ln>
+                <a:solidFill>
+                  <a:srgbClr val="EBEBEB"/>
+                </a:solidFill>
+                <a:effectLst/>
+                <a:latin typeface="JetBrains Mono"/>
+              </a:rPr>
+              <a:t>}</a:t>
+            </a:r>
+            <a:br>
+              <a:rPr kumimoji="0" lang="en-US" altLang="en-US" sz="1200" b="0" i="0" u="none" strike="noStrike" cap="none" normalizeH="0" baseline="0" dirty="0">
+                <a:ln>
+                  <a:noFill/>
+                </a:ln>
+                <a:solidFill>
+                  <a:srgbClr val="EBEBEB"/>
+                </a:solidFill>
+                <a:effectLst/>
+                <a:latin typeface="JetBrains Mono"/>
+              </a:rPr>
+            </a:br>
+            <a:br>
+              <a:rPr kumimoji="0" lang="en-US" altLang="en-US" sz="1200" b="0" i="0" u="none" strike="noStrike" cap="none" normalizeH="0" baseline="0" dirty="0">
+                <a:ln>
+                  <a:noFill/>
+                </a:ln>
+                <a:solidFill>
+                  <a:srgbClr val="EBEBEB"/>
+                </a:solidFill>
+                <a:effectLst/>
+                <a:latin typeface="JetBrains Mono"/>
+              </a:rPr>
+            </a:br>
+            <a:endParaRPr kumimoji="0" lang="en-US" altLang="en-US" sz="1200" b="0" i="0" u="none" strike="noStrike" cap="none" normalizeH="0" baseline="0" dirty="0">
               <a:ln>
                 <a:noFill/>
               </a:ln>
@@ -7291,7 +8105,7 @@
     </p:spTree>
     <p:extLst>
       <p:ext uri="{BB962C8B-B14F-4D97-AF65-F5344CB8AC3E}">
-        <p14:creationId xmlns:p14="http://schemas.microsoft.com/office/powerpoint/2010/main" val="1382279275"/>
+        <p14:creationId xmlns:p14="http://schemas.microsoft.com/office/powerpoint/2010/main" val="1470862735"/>
       </p:ext>
     </p:extLst>
   </p:cSld>
